--- a/docs/diagrams/ArchitectureDiagram.pptx
+++ b/docs/diagrams/ArchitectureDiagram.pptx
@@ -2,18 +2,18 @@
 <file path=ppt/presentation.xml><?xml version="1.0" encoding="utf-8"?>
 <p:presentation xmlns:a="http://schemas.openxmlformats.org/drawingml/2006/main" xmlns:r="http://schemas.openxmlformats.org/officeDocument/2006/relationships" xmlns:p="http://schemas.openxmlformats.org/presentationml/2006/main" saveSubsetFonts="1">
   <p:sldMasterIdLst>
-    <p:sldMasterId id="2147483648" r:id="rId1"/>
+    <p:sldMasterId id="2147483660" r:id="rId1"/>
   </p:sldMasterIdLst>
   <p:sldIdLst>
     <p:sldId id="256" r:id="rId2"/>
   </p:sldIdLst>
-  <p:sldSz cx="12192000" cy="6858000"/>
+  <p:sldSz cx="9144000" cy="6858000" type="screen4x3"/>
   <p:notesSz cx="6858000" cy="9144000"/>
   <p:defaultTextStyle>
     <a:defPPr>
       <a:defRPr lang="en-US"/>
     </a:defPPr>
-    <a:lvl1pPr marL="0" algn="l" defTabSz="914400" rtl="0" eaLnBrk="1" latinLnBrk="0" hangingPunct="1">
+    <a:lvl1pPr marL="0" algn="l" defTabSz="457200" rtl="0" eaLnBrk="1" latinLnBrk="0" hangingPunct="1">
       <a:defRPr sz="1800" kern="1200">
         <a:solidFill>
           <a:schemeClr val="tx1"/>
@@ -23,7 +23,7 @@
         <a:cs typeface="+mn-cs"/>
       </a:defRPr>
     </a:lvl1pPr>
-    <a:lvl2pPr marL="457200" algn="l" defTabSz="914400" rtl="0" eaLnBrk="1" latinLnBrk="0" hangingPunct="1">
+    <a:lvl2pPr marL="457200" algn="l" defTabSz="457200" rtl="0" eaLnBrk="1" latinLnBrk="0" hangingPunct="1">
       <a:defRPr sz="1800" kern="1200">
         <a:solidFill>
           <a:schemeClr val="tx1"/>
@@ -33,7 +33,7 @@
         <a:cs typeface="+mn-cs"/>
       </a:defRPr>
     </a:lvl2pPr>
-    <a:lvl3pPr marL="914400" algn="l" defTabSz="914400" rtl="0" eaLnBrk="1" latinLnBrk="0" hangingPunct="1">
+    <a:lvl3pPr marL="914400" algn="l" defTabSz="457200" rtl="0" eaLnBrk="1" latinLnBrk="0" hangingPunct="1">
       <a:defRPr sz="1800" kern="1200">
         <a:solidFill>
           <a:schemeClr val="tx1"/>
@@ -43,7 +43,7 @@
         <a:cs typeface="+mn-cs"/>
       </a:defRPr>
     </a:lvl3pPr>
-    <a:lvl4pPr marL="1371600" algn="l" defTabSz="914400" rtl="0" eaLnBrk="1" latinLnBrk="0" hangingPunct="1">
+    <a:lvl4pPr marL="1371600" algn="l" defTabSz="457200" rtl="0" eaLnBrk="1" latinLnBrk="0" hangingPunct="1">
       <a:defRPr sz="1800" kern="1200">
         <a:solidFill>
           <a:schemeClr val="tx1"/>
@@ -53,7 +53,7 @@
         <a:cs typeface="+mn-cs"/>
       </a:defRPr>
     </a:lvl4pPr>
-    <a:lvl5pPr marL="1828800" algn="l" defTabSz="914400" rtl="0" eaLnBrk="1" latinLnBrk="0" hangingPunct="1">
+    <a:lvl5pPr marL="1828800" algn="l" defTabSz="457200" rtl="0" eaLnBrk="1" latinLnBrk="0" hangingPunct="1">
       <a:defRPr sz="1800" kern="1200">
         <a:solidFill>
           <a:schemeClr val="tx1"/>
@@ -63,7 +63,7 @@
         <a:cs typeface="+mn-cs"/>
       </a:defRPr>
     </a:lvl5pPr>
-    <a:lvl6pPr marL="2286000" algn="l" defTabSz="914400" rtl="0" eaLnBrk="1" latinLnBrk="0" hangingPunct="1">
+    <a:lvl6pPr marL="2286000" algn="l" defTabSz="457200" rtl="0" eaLnBrk="1" latinLnBrk="0" hangingPunct="1">
       <a:defRPr sz="1800" kern="1200">
         <a:solidFill>
           <a:schemeClr val="tx1"/>
@@ -73,7 +73,7 @@
         <a:cs typeface="+mn-cs"/>
       </a:defRPr>
     </a:lvl6pPr>
-    <a:lvl7pPr marL="2743200" algn="l" defTabSz="914400" rtl="0" eaLnBrk="1" latinLnBrk="0" hangingPunct="1">
+    <a:lvl7pPr marL="2743200" algn="l" defTabSz="457200" rtl="0" eaLnBrk="1" latinLnBrk="0" hangingPunct="1">
       <a:defRPr sz="1800" kern="1200">
         <a:solidFill>
           <a:schemeClr val="tx1"/>
@@ -83,7 +83,7 @@
         <a:cs typeface="+mn-cs"/>
       </a:defRPr>
     </a:lvl7pPr>
-    <a:lvl8pPr marL="3200400" algn="l" defTabSz="914400" rtl="0" eaLnBrk="1" latinLnBrk="0" hangingPunct="1">
+    <a:lvl8pPr marL="3200400" algn="l" defTabSz="457200" rtl="0" eaLnBrk="1" latinLnBrk="0" hangingPunct="1">
       <a:defRPr sz="1800" kern="1200">
         <a:solidFill>
           <a:schemeClr val="tx1"/>
@@ -93,7 +93,7 @@
         <a:cs typeface="+mn-cs"/>
       </a:defRPr>
     </a:lvl8pPr>
-    <a:lvl9pPr marL="3657600" algn="l" defTabSz="914400" rtl="0" eaLnBrk="1" latinLnBrk="0" hangingPunct="1">
+    <a:lvl9pPr marL="3657600" algn="l" defTabSz="457200" rtl="0" eaLnBrk="1" latinLnBrk="0" hangingPunct="1">
       <a:defRPr sz="1800" kern="1200">
         <a:solidFill>
           <a:schemeClr val="tx1"/>
@@ -104,6 +104,11 @@
       </a:defRPr>
     </a:lvl9pPr>
   </p:defaultTextStyle>
+  <p:extLst>
+    <p:ext uri="{EFAFB233-063F-42B5-8137-9DF3F51BA10A}">
+      <p15:sldGuideLst xmlns:p15="http://schemas.microsoft.com/office/powerpoint/2012/main"/>
+    </p:ext>
+  </p:extLst>
 </p:presentation>
 </file>
 
@@ -126,13 +131,7 @@
       </p:grpSpPr>
       <p:sp>
         <p:nvSpPr>
-          <p:cNvPr id="2" name="Title 1">
-            <a:extLst>
-              <a:ext uri="{FF2B5EF4-FFF2-40B4-BE49-F238E27FC236}">
-                <a16:creationId xmlns:a16="http://schemas.microsoft.com/office/drawing/2014/main" id="{056A7940-3A8C-4AA9-9423-FF6EEFD2D7F1}"/>
-              </a:ext>
-            </a:extLst>
-          </p:cNvPr>
+          <p:cNvPr id="2" name="Title 1"/>
           <p:cNvSpPr>
             <a:spLocks noGrp="1"/>
           </p:cNvSpPr>
@@ -142,8 +141,8 @@
         </p:nvSpPr>
         <p:spPr>
           <a:xfrm>
-            <a:off x="1524000" y="1122363"/>
-            <a:ext cx="9144000" cy="2387600"/>
+            <a:off x="685800" y="1122363"/>
+            <a:ext cx="7772400" cy="2387600"/>
           </a:xfrm>
         </p:spPr>
         <p:txBody>
@@ -158,19 +157,13 @@
               <a:rPr lang="en-US"/>
               <a:t>Click to edit Master title style</a:t>
             </a:r>
-            <a:endParaRPr lang="en-SG"/>
-          </a:p>
-        </p:txBody>
-      </p:sp>
-      <p:sp>
-        <p:nvSpPr>
-          <p:cNvPr id="3" name="Subtitle 2">
-            <a:extLst>
-              <a:ext uri="{FF2B5EF4-FFF2-40B4-BE49-F238E27FC236}">
-                <a16:creationId xmlns:a16="http://schemas.microsoft.com/office/drawing/2014/main" id="{BD364BA1-49F9-4BB2-86D6-7529C29CD18E}"/>
-              </a:ext>
-            </a:extLst>
-          </p:cNvPr>
+            <a:endParaRPr lang="en-US" dirty="0"/>
+          </a:p>
+        </p:txBody>
+      </p:sp>
+      <p:sp>
+        <p:nvSpPr>
+          <p:cNvPr id="3" name="Subtitle 2"/>
           <p:cNvSpPr>
             <a:spLocks noGrp="1"/>
           </p:cNvSpPr>
@@ -180,8 +173,8 @@
         </p:nvSpPr>
         <p:spPr>
           <a:xfrm>
-            <a:off x="1524000" y="3602038"/>
-            <a:ext cx="9144000" cy="1655762"/>
+            <a:off x="1143000" y="3602038"/>
+            <a:ext cx="6858000" cy="1655762"/>
           </a:xfrm>
         </p:spPr>
         <p:txBody>
@@ -229,19 +222,13 @@
               <a:rPr lang="en-US"/>
               <a:t>Click to edit Master subtitle style</a:t>
             </a:r>
-            <a:endParaRPr lang="en-SG"/>
-          </a:p>
-        </p:txBody>
-      </p:sp>
-      <p:sp>
-        <p:nvSpPr>
-          <p:cNvPr id="4" name="Date Placeholder 3">
-            <a:extLst>
-              <a:ext uri="{FF2B5EF4-FFF2-40B4-BE49-F238E27FC236}">
-                <a16:creationId xmlns:a16="http://schemas.microsoft.com/office/drawing/2014/main" id="{8C821915-4F82-4DE8-A84E-E6B66C7D174A}"/>
-              </a:ext>
-            </a:extLst>
-          </p:cNvPr>
+            <a:endParaRPr lang="en-US" dirty="0"/>
+          </a:p>
+        </p:txBody>
+      </p:sp>
+      <p:sp>
+        <p:nvSpPr>
+          <p:cNvPr id="4" name="Date Placeholder 3"/>
           <p:cNvSpPr>
             <a:spLocks noGrp="1"/>
           </p:cNvSpPr>
@@ -256,7 +243,7 @@
           <a:p>
             <a:fld id="{01232E18-478A-4864-8FEB-26692C817BCB}" type="datetimeFigureOut">
               <a:rPr lang="en-SG" smtClean="0"/>
-              <a:t>28/10/2020</a:t>
+              <a:t>31/10/2020</a:t>
             </a:fld>
             <a:endParaRPr lang="en-SG"/>
           </a:p>
@@ -264,13 +251,7 @@
       </p:sp>
       <p:sp>
         <p:nvSpPr>
-          <p:cNvPr id="5" name="Footer Placeholder 4">
-            <a:extLst>
-              <a:ext uri="{FF2B5EF4-FFF2-40B4-BE49-F238E27FC236}">
-                <a16:creationId xmlns:a16="http://schemas.microsoft.com/office/drawing/2014/main" id="{3FFA3C8A-F61F-4940-8A6B-222CD8DBA6A2}"/>
-              </a:ext>
-            </a:extLst>
-          </p:cNvPr>
+          <p:cNvPr id="5" name="Footer Placeholder 4"/>
           <p:cNvSpPr>
             <a:spLocks noGrp="1"/>
           </p:cNvSpPr>
@@ -289,13 +270,7 @@
       </p:sp>
       <p:sp>
         <p:nvSpPr>
-          <p:cNvPr id="6" name="Slide Number Placeholder 5">
-            <a:extLst>
-              <a:ext uri="{FF2B5EF4-FFF2-40B4-BE49-F238E27FC236}">
-                <a16:creationId xmlns:a16="http://schemas.microsoft.com/office/drawing/2014/main" id="{6E7CB86C-8527-4870-8387-254C8F962FC9}"/>
-              </a:ext>
-            </a:extLst>
-          </p:cNvPr>
+          <p:cNvPr id="6" name="Slide Number Placeholder 5"/>
           <p:cNvSpPr>
             <a:spLocks noGrp="1"/>
           </p:cNvSpPr>
@@ -319,7 +294,7 @@
     </p:spTree>
     <p:extLst>
       <p:ext uri="{BB962C8B-B14F-4D97-AF65-F5344CB8AC3E}">
-        <p14:creationId xmlns:p14="http://schemas.microsoft.com/office/powerpoint/2010/main" val="1719786065"/>
+        <p14:creationId xmlns:p14="http://schemas.microsoft.com/office/powerpoint/2010/main" val="1911698028"/>
       </p:ext>
     </p:extLst>
   </p:cSld>
@@ -348,13 +323,7 @@
       </p:grpSpPr>
       <p:sp>
         <p:nvSpPr>
-          <p:cNvPr id="2" name="Title 1">
-            <a:extLst>
-              <a:ext uri="{FF2B5EF4-FFF2-40B4-BE49-F238E27FC236}">
-                <a16:creationId xmlns:a16="http://schemas.microsoft.com/office/drawing/2014/main" id="{A73A06C0-0431-4A89-B40D-39537A20F1C7}"/>
-              </a:ext>
-            </a:extLst>
-          </p:cNvPr>
+          <p:cNvPr id="2" name="Title 1"/>
           <p:cNvSpPr>
             <a:spLocks noGrp="1"/>
           </p:cNvSpPr>
@@ -371,19 +340,13 @@
               <a:rPr lang="en-US"/>
               <a:t>Click to edit Master title style</a:t>
             </a:r>
-            <a:endParaRPr lang="en-SG"/>
-          </a:p>
-        </p:txBody>
-      </p:sp>
-      <p:sp>
-        <p:nvSpPr>
-          <p:cNvPr id="3" name="Vertical Text Placeholder 2">
-            <a:extLst>
-              <a:ext uri="{FF2B5EF4-FFF2-40B4-BE49-F238E27FC236}">
-                <a16:creationId xmlns:a16="http://schemas.microsoft.com/office/drawing/2014/main" id="{85E89DE8-6198-43EF-B9EA-0418406F9220}"/>
-              </a:ext>
-            </a:extLst>
-          </p:cNvPr>
+            <a:endParaRPr lang="en-US" dirty="0"/>
+          </a:p>
+        </p:txBody>
+      </p:sp>
+      <p:sp>
+        <p:nvSpPr>
+          <p:cNvPr id="3" name="Vertical Text Placeholder 2"/>
           <p:cNvSpPr>
             <a:spLocks noGrp="1"/>
           </p:cNvSpPr>
@@ -429,19 +392,13 @@
               <a:rPr lang="en-US"/>
               <a:t>Fifth level</a:t>
             </a:r>
-            <a:endParaRPr lang="en-SG"/>
-          </a:p>
-        </p:txBody>
-      </p:sp>
-      <p:sp>
-        <p:nvSpPr>
-          <p:cNvPr id="4" name="Date Placeholder 3">
-            <a:extLst>
-              <a:ext uri="{FF2B5EF4-FFF2-40B4-BE49-F238E27FC236}">
-                <a16:creationId xmlns:a16="http://schemas.microsoft.com/office/drawing/2014/main" id="{56FC23CE-F2F9-4026-98EE-A5CB0C8A1AEE}"/>
-              </a:ext>
-            </a:extLst>
-          </p:cNvPr>
+            <a:endParaRPr lang="en-US" dirty="0"/>
+          </a:p>
+        </p:txBody>
+      </p:sp>
+      <p:sp>
+        <p:nvSpPr>
+          <p:cNvPr id="4" name="Date Placeholder 3"/>
           <p:cNvSpPr>
             <a:spLocks noGrp="1"/>
           </p:cNvSpPr>
@@ -456,7 +413,7 @@
           <a:p>
             <a:fld id="{01232E18-478A-4864-8FEB-26692C817BCB}" type="datetimeFigureOut">
               <a:rPr lang="en-SG" smtClean="0"/>
-              <a:t>28/10/2020</a:t>
+              <a:t>31/10/2020</a:t>
             </a:fld>
             <a:endParaRPr lang="en-SG"/>
           </a:p>
@@ -464,13 +421,7 @@
       </p:sp>
       <p:sp>
         <p:nvSpPr>
-          <p:cNvPr id="5" name="Footer Placeholder 4">
-            <a:extLst>
-              <a:ext uri="{FF2B5EF4-FFF2-40B4-BE49-F238E27FC236}">
-                <a16:creationId xmlns:a16="http://schemas.microsoft.com/office/drawing/2014/main" id="{AF6C15FC-D1E4-45AD-BA2B-236CEF514F86}"/>
-              </a:ext>
-            </a:extLst>
-          </p:cNvPr>
+          <p:cNvPr id="5" name="Footer Placeholder 4"/>
           <p:cNvSpPr>
             <a:spLocks noGrp="1"/>
           </p:cNvSpPr>
@@ -489,13 +440,7 @@
       </p:sp>
       <p:sp>
         <p:nvSpPr>
-          <p:cNvPr id="6" name="Slide Number Placeholder 5">
-            <a:extLst>
-              <a:ext uri="{FF2B5EF4-FFF2-40B4-BE49-F238E27FC236}">
-                <a16:creationId xmlns:a16="http://schemas.microsoft.com/office/drawing/2014/main" id="{77873059-C7CC-4444-937E-33499BC1A826}"/>
-              </a:ext>
-            </a:extLst>
-          </p:cNvPr>
+          <p:cNvPr id="6" name="Slide Number Placeholder 5"/>
           <p:cNvSpPr>
             <a:spLocks noGrp="1"/>
           </p:cNvSpPr>
@@ -519,7 +464,7 @@
     </p:spTree>
     <p:extLst>
       <p:ext uri="{BB962C8B-B14F-4D97-AF65-F5344CB8AC3E}">
-        <p14:creationId xmlns:p14="http://schemas.microsoft.com/office/powerpoint/2010/main" val="2310977899"/>
+        <p14:creationId xmlns:p14="http://schemas.microsoft.com/office/powerpoint/2010/main" val="1784816515"/>
       </p:ext>
     </p:extLst>
   </p:cSld>
@@ -548,13 +493,7 @@
       </p:grpSpPr>
       <p:sp>
         <p:nvSpPr>
-          <p:cNvPr id="2" name="Vertical Title 1">
-            <a:extLst>
-              <a:ext uri="{FF2B5EF4-FFF2-40B4-BE49-F238E27FC236}">
-                <a16:creationId xmlns:a16="http://schemas.microsoft.com/office/drawing/2014/main" id="{8AC29B49-3AC3-46C6-8F65-ACF3FBC540F2}"/>
-              </a:ext>
-            </a:extLst>
-          </p:cNvPr>
+          <p:cNvPr id="2" name="Vertical Title 1"/>
           <p:cNvSpPr>
             <a:spLocks noGrp="1"/>
           </p:cNvSpPr>
@@ -564,8 +503,8 @@
         </p:nvSpPr>
         <p:spPr>
           <a:xfrm>
-            <a:off x="8724900" y="365125"/>
-            <a:ext cx="2628900" cy="5811838"/>
+            <a:off x="6543675" y="365125"/>
+            <a:ext cx="1971675" cy="5811838"/>
           </a:xfrm>
         </p:spPr>
         <p:txBody>
@@ -576,19 +515,13 @@
               <a:rPr lang="en-US"/>
               <a:t>Click to edit Master title style</a:t>
             </a:r>
-            <a:endParaRPr lang="en-SG"/>
-          </a:p>
-        </p:txBody>
-      </p:sp>
-      <p:sp>
-        <p:nvSpPr>
-          <p:cNvPr id="3" name="Vertical Text Placeholder 2">
-            <a:extLst>
-              <a:ext uri="{FF2B5EF4-FFF2-40B4-BE49-F238E27FC236}">
-                <a16:creationId xmlns:a16="http://schemas.microsoft.com/office/drawing/2014/main" id="{64E55D4C-E298-403B-96C9-6ED25D22E662}"/>
-              </a:ext>
-            </a:extLst>
-          </p:cNvPr>
+            <a:endParaRPr lang="en-US" dirty="0"/>
+          </a:p>
+        </p:txBody>
+      </p:sp>
+      <p:sp>
+        <p:nvSpPr>
+          <p:cNvPr id="3" name="Vertical Text Placeholder 2"/>
           <p:cNvSpPr>
             <a:spLocks noGrp="1"/>
           </p:cNvSpPr>
@@ -598,8 +531,8 @@
         </p:nvSpPr>
         <p:spPr>
           <a:xfrm>
-            <a:off x="838200" y="365125"/>
-            <a:ext cx="7734300" cy="5811838"/>
+            <a:off x="628650" y="365125"/>
+            <a:ext cx="5800725" cy="5811838"/>
           </a:xfrm>
         </p:spPr>
         <p:txBody>
@@ -639,19 +572,13 @@
               <a:rPr lang="en-US"/>
               <a:t>Fifth level</a:t>
             </a:r>
-            <a:endParaRPr lang="en-SG"/>
-          </a:p>
-        </p:txBody>
-      </p:sp>
-      <p:sp>
-        <p:nvSpPr>
-          <p:cNvPr id="4" name="Date Placeholder 3">
-            <a:extLst>
-              <a:ext uri="{FF2B5EF4-FFF2-40B4-BE49-F238E27FC236}">
-                <a16:creationId xmlns:a16="http://schemas.microsoft.com/office/drawing/2014/main" id="{1A1E3AFE-0632-4C86-9710-E1C2BF00AC1C}"/>
-              </a:ext>
-            </a:extLst>
-          </p:cNvPr>
+            <a:endParaRPr lang="en-US" dirty="0"/>
+          </a:p>
+        </p:txBody>
+      </p:sp>
+      <p:sp>
+        <p:nvSpPr>
+          <p:cNvPr id="4" name="Date Placeholder 3"/>
           <p:cNvSpPr>
             <a:spLocks noGrp="1"/>
           </p:cNvSpPr>
@@ -666,7 +593,7 @@
           <a:p>
             <a:fld id="{01232E18-478A-4864-8FEB-26692C817BCB}" type="datetimeFigureOut">
               <a:rPr lang="en-SG" smtClean="0"/>
-              <a:t>28/10/2020</a:t>
+              <a:t>31/10/2020</a:t>
             </a:fld>
             <a:endParaRPr lang="en-SG"/>
           </a:p>
@@ -674,13 +601,7 @@
       </p:sp>
       <p:sp>
         <p:nvSpPr>
-          <p:cNvPr id="5" name="Footer Placeholder 4">
-            <a:extLst>
-              <a:ext uri="{FF2B5EF4-FFF2-40B4-BE49-F238E27FC236}">
-                <a16:creationId xmlns:a16="http://schemas.microsoft.com/office/drawing/2014/main" id="{276A84B8-4F10-4F58-9C9F-7D94218653A7}"/>
-              </a:ext>
-            </a:extLst>
-          </p:cNvPr>
+          <p:cNvPr id="5" name="Footer Placeholder 4"/>
           <p:cNvSpPr>
             <a:spLocks noGrp="1"/>
           </p:cNvSpPr>
@@ -699,13 +620,7 @@
       </p:sp>
       <p:sp>
         <p:nvSpPr>
-          <p:cNvPr id="6" name="Slide Number Placeholder 5">
-            <a:extLst>
-              <a:ext uri="{FF2B5EF4-FFF2-40B4-BE49-F238E27FC236}">
-                <a16:creationId xmlns:a16="http://schemas.microsoft.com/office/drawing/2014/main" id="{07F2BEB5-6922-415C-95F7-C62863407EED}"/>
-              </a:ext>
-            </a:extLst>
-          </p:cNvPr>
+          <p:cNvPr id="6" name="Slide Number Placeholder 5"/>
           <p:cNvSpPr>
             <a:spLocks noGrp="1"/>
           </p:cNvSpPr>
@@ -729,7 +644,7 @@
     </p:spTree>
     <p:extLst>
       <p:ext uri="{BB962C8B-B14F-4D97-AF65-F5344CB8AC3E}">
-        <p14:creationId xmlns:p14="http://schemas.microsoft.com/office/powerpoint/2010/main" val="2922150578"/>
+        <p14:creationId xmlns:p14="http://schemas.microsoft.com/office/powerpoint/2010/main" val="1394338148"/>
       </p:ext>
     </p:extLst>
   </p:cSld>
@@ -758,13 +673,7 @@
       </p:grpSpPr>
       <p:sp>
         <p:nvSpPr>
-          <p:cNvPr id="2" name="Title 1">
-            <a:extLst>
-              <a:ext uri="{FF2B5EF4-FFF2-40B4-BE49-F238E27FC236}">
-                <a16:creationId xmlns:a16="http://schemas.microsoft.com/office/drawing/2014/main" id="{ADF4A602-AB62-448F-9518-C94F308F008A}"/>
-              </a:ext>
-            </a:extLst>
-          </p:cNvPr>
+          <p:cNvPr id="2" name="Title 1"/>
           <p:cNvSpPr>
             <a:spLocks noGrp="1"/>
           </p:cNvSpPr>
@@ -781,19 +690,13 @@
               <a:rPr lang="en-US"/>
               <a:t>Click to edit Master title style</a:t>
             </a:r>
-            <a:endParaRPr lang="en-SG"/>
-          </a:p>
-        </p:txBody>
-      </p:sp>
-      <p:sp>
-        <p:nvSpPr>
-          <p:cNvPr id="3" name="Content Placeholder 2">
-            <a:extLst>
-              <a:ext uri="{FF2B5EF4-FFF2-40B4-BE49-F238E27FC236}">
-                <a16:creationId xmlns:a16="http://schemas.microsoft.com/office/drawing/2014/main" id="{86ABD586-A30E-419C-A097-B33877E144B0}"/>
-              </a:ext>
-            </a:extLst>
-          </p:cNvPr>
+            <a:endParaRPr lang="en-US" dirty="0"/>
+          </a:p>
+        </p:txBody>
+      </p:sp>
+      <p:sp>
+        <p:nvSpPr>
+          <p:cNvPr id="3" name="Content Placeholder 2"/>
           <p:cNvSpPr>
             <a:spLocks noGrp="1"/>
           </p:cNvSpPr>
@@ -839,19 +742,13 @@
               <a:rPr lang="en-US"/>
               <a:t>Fifth level</a:t>
             </a:r>
-            <a:endParaRPr lang="en-SG"/>
-          </a:p>
-        </p:txBody>
-      </p:sp>
-      <p:sp>
-        <p:nvSpPr>
-          <p:cNvPr id="4" name="Date Placeholder 3">
-            <a:extLst>
-              <a:ext uri="{FF2B5EF4-FFF2-40B4-BE49-F238E27FC236}">
-                <a16:creationId xmlns:a16="http://schemas.microsoft.com/office/drawing/2014/main" id="{B6C52E6D-5628-4812-B7B0-2A5CA7470104}"/>
-              </a:ext>
-            </a:extLst>
-          </p:cNvPr>
+            <a:endParaRPr lang="en-US" dirty="0"/>
+          </a:p>
+        </p:txBody>
+      </p:sp>
+      <p:sp>
+        <p:nvSpPr>
+          <p:cNvPr id="4" name="Date Placeholder 3"/>
           <p:cNvSpPr>
             <a:spLocks noGrp="1"/>
           </p:cNvSpPr>
@@ -866,7 +763,7 @@
           <a:p>
             <a:fld id="{01232E18-478A-4864-8FEB-26692C817BCB}" type="datetimeFigureOut">
               <a:rPr lang="en-SG" smtClean="0"/>
-              <a:t>28/10/2020</a:t>
+              <a:t>31/10/2020</a:t>
             </a:fld>
             <a:endParaRPr lang="en-SG"/>
           </a:p>
@@ -874,13 +771,7 @@
       </p:sp>
       <p:sp>
         <p:nvSpPr>
-          <p:cNvPr id="5" name="Footer Placeholder 4">
-            <a:extLst>
-              <a:ext uri="{FF2B5EF4-FFF2-40B4-BE49-F238E27FC236}">
-                <a16:creationId xmlns:a16="http://schemas.microsoft.com/office/drawing/2014/main" id="{77F649DB-24CB-425F-8CCA-A2B0F5B50B57}"/>
-              </a:ext>
-            </a:extLst>
-          </p:cNvPr>
+          <p:cNvPr id="5" name="Footer Placeholder 4"/>
           <p:cNvSpPr>
             <a:spLocks noGrp="1"/>
           </p:cNvSpPr>
@@ -899,13 +790,7 @@
       </p:sp>
       <p:sp>
         <p:nvSpPr>
-          <p:cNvPr id="6" name="Slide Number Placeholder 5">
-            <a:extLst>
-              <a:ext uri="{FF2B5EF4-FFF2-40B4-BE49-F238E27FC236}">
-                <a16:creationId xmlns:a16="http://schemas.microsoft.com/office/drawing/2014/main" id="{4EC67C0C-3881-4CB5-8BB3-BC3F369C7E1C}"/>
-              </a:ext>
-            </a:extLst>
-          </p:cNvPr>
+          <p:cNvPr id="6" name="Slide Number Placeholder 5"/>
           <p:cNvSpPr>
             <a:spLocks noGrp="1"/>
           </p:cNvSpPr>
@@ -929,7 +814,7 @@
     </p:spTree>
     <p:extLst>
       <p:ext uri="{BB962C8B-B14F-4D97-AF65-F5344CB8AC3E}">
-        <p14:creationId xmlns:p14="http://schemas.microsoft.com/office/powerpoint/2010/main" val="3761786177"/>
+        <p14:creationId xmlns:p14="http://schemas.microsoft.com/office/powerpoint/2010/main" val="1301527959"/>
       </p:ext>
     </p:extLst>
   </p:cSld>
@@ -958,13 +843,7 @@
       </p:grpSpPr>
       <p:sp>
         <p:nvSpPr>
-          <p:cNvPr id="2" name="Title 1">
-            <a:extLst>
-              <a:ext uri="{FF2B5EF4-FFF2-40B4-BE49-F238E27FC236}">
-                <a16:creationId xmlns:a16="http://schemas.microsoft.com/office/drawing/2014/main" id="{AF3F7FEF-F358-47C7-81A6-A9E643280B32}"/>
-              </a:ext>
-            </a:extLst>
-          </p:cNvPr>
+          <p:cNvPr id="2" name="Title 1"/>
           <p:cNvSpPr>
             <a:spLocks noGrp="1"/>
           </p:cNvSpPr>
@@ -974,8 +853,8 @@
         </p:nvSpPr>
         <p:spPr>
           <a:xfrm>
-            <a:off x="831850" y="1709738"/>
-            <a:ext cx="10515600" cy="2852737"/>
+            <a:off x="623888" y="1709739"/>
+            <a:ext cx="7886700" cy="2852737"/>
           </a:xfrm>
         </p:spPr>
         <p:txBody>
@@ -990,19 +869,13 @@
               <a:rPr lang="en-US"/>
               <a:t>Click to edit Master title style</a:t>
             </a:r>
-            <a:endParaRPr lang="en-SG"/>
-          </a:p>
-        </p:txBody>
-      </p:sp>
-      <p:sp>
-        <p:nvSpPr>
-          <p:cNvPr id="3" name="Text Placeholder 2">
-            <a:extLst>
-              <a:ext uri="{FF2B5EF4-FFF2-40B4-BE49-F238E27FC236}">
-                <a16:creationId xmlns:a16="http://schemas.microsoft.com/office/drawing/2014/main" id="{17000AD4-4E26-441C-8751-923070F59672}"/>
-              </a:ext>
-            </a:extLst>
-          </p:cNvPr>
+            <a:endParaRPr lang="en-US" dirty="0"/>
+          </a:p>
+        </p:txBody>
+      </p:sp>
+      <p:sp>
+        <p:nvSpPr>
+          <p:cNvPr id="3" name="Text Placeholder 2"/>
           <p:cNvSpPr>
             <a:spLocks noGrp="1"/>
           </p:cNvSpPr>
@@ -1012,8 +885,8 @@
         </p:nvSpPr>
         <p:spPr>
           <a:xfrm>
-            <a:off x="831850" y="4589463"/>
-            <a:ext cx="10515600" cy="1500187"/>
+            <a:off x="623888" y="4589464"/>
+            <a:ext cx="7886700" cy="1500187"/>
           </a:xfrm>
         </p:spPr>
         <p:txBody>
@@ -1023,9 +896,7 @@
               <a:buNone/>
               <a:defRPr sz="2400">
                 <a:solidFill>
-                  <a:schemeClr val="tx1">
-                    <a:tint val="75000"/>
-                  </a:schemeClr>
+                  <a:schemeClr val="tx1"/>
                 </a:solidFill>
               </a:defRPr>
             </a:lvl1pPr>
@@ -1121,13 +992,7 @@
       </p:sp>
       <p:sp>
         <p:nvSpPr>
-          <p:cNvPr id="4" name="Date Placeholder 3">
-            <a:extLst>
-              <a:ext uri="{FF2B5EF4-FFF2-40B4-BE49-F238E27FC236}">
-                <a16:creationId xmlns:a16="http://schemas.microsoft.com/office/drawing/2014/main" id="{5D9E6BD2-2C97-466D-9D4D-2867C663D792}"/>
-              </a:ext>
-            </a:extLst>
-          </p:cNvPr>
+          <p:cNvPr id="4" name="Date Placeholder 3"/>
           <p:cNvSpPr>
             <a:spLocks noGrp="1"/>
           </p:cNvSpPr>
@@ -1142,7 +1007,7 @@
           <a:p>
             <a:fld id="{01232E18-478A-4864-8FEB-26692C817BCB}" type="datetimeFigureOut">
               <a:rPr lang="en-SG" smtClean="0"/>
-              <a:t>28/10/2020</a:t>
+              <a:t>31/10/2020</a:t>
             </a:fld>
             <a:endParaRPr lang="en-SG"/>
           </a:p>
@@ -1150,13 +1015,7 @@
       </p:sp>
       <p:sp>
         <p:nvSpPr>
-          <p:cNvPr id="5" name="Footer Placeholder 4">
-            <a:extLst>
-              <a:ext uri="{FF2B5EF4-FFF2-40B4-BE49-F238E27FC236}">
-                <a16:creationId xmlns:a16="http://schemas.microsoft.com/office/drawing/2014/main" id="{ADD22914-F9F7-46CC-AD74-B2D4C94029AA}"/>
-              </a:ext>
-            </a:extLst>
-          </p:cNvPr>
+          <p:cNvPr id="5" name="Footer Placeholder 4"/>
           <p:cNvSpPr>
             <a:spLocks noGrp="1"/>
           </p:cNvSpPr>
@@ -1175,13 +1034,7 @@
       </p:sp>
       <p:sp>
         <p:nvSpPr>
-          <p:cNvPr id="6" name="Slide Number Placeholder 5">
-            <a:extLst>
-              <a:ext uri="{FF2B5EF4-FFF2-40B4-BE49-F238E27FC236}">
-                <a16:creationId xmlns:a16="http://schemas.microsoft.com/office/drawing/2014/main" id="{E41D0272-23F2-4D56-94BF-BE62EF76A4B6}"/>
-              </a:ext>
-            </a:extLst>
-          </p:cNvPr>
+          <p:cNvPr id="6" name="Slide Number Placeholder 5"/>
           <p:cNvSpPr>
             <a:spLocks noGrp="1"/>
           </p:cNvSpPr>
@@ -1205,7 +1058,7 @@
     </p:spTree>
     <p:extLst>
       <p:ext uri="{BB962C8B-B14F-4D97-AF65-F5344CB8AC3E}">
-        <p14:creationId xmlns:p14="http://schemas.microsoft.com/office/powerpoint/2010/main" val="4160668407"/>
+        <p14:creationId xmlns:p14="http://schemas.microsoft.com/office/powerpoint/2010/main" val="3234926563"/>
       </p:ext>
     </p:extLst>
   </p:cSld>
@@ -1234,13 +1087,7 @@
       </p:grpSpPr>
       <p:sp>
         <p:nvSpPr>
-          <p:cNvPr id="2" name="Title 1">
-            <a:extLst>
-              <a:ext uri="{FF2B5EF4-FFF2-40B4-BE49-F238E27FC236}">
-                <a16:creationId xmlns:a16="http://schemas.microsoft.com/office/drawing/2014/main" id="{EABFFD85-C85C-499F-9E97-00E889DC8650}"/>
-              </a:ext>
-            </a:extLst>
-          </p:cNvPr>
+          <p:cNvPr id="2" name="Title 1"/>
           <p:cNvSpPr>
             <a:spLocks noGrp="1"/>
           </p:cNvSpPr>
@@ -1257,19 +1104,13 @@
               <a:rPr lang="en-US"/>
               <a:t>Click to edit Master title style</a:t>
             </a:r>
-            <a:endParaRPr lang="en-SG"/>
-          </a:p>
-        </p:txBody>
-      </p:sp>
-      <p:sp>
-        <p:nvSpPr>
-          <p:cNvPr id="3" name="Content Placeholder 2">
-            <a:extLst>
-              <a:ext uri="{FF2B5EF4-FFF2-40B4-BE49-F238E27FC236}">
-                <a16:creationId xmlns:a16="http://schemas.microsoft.com/office/drawing/2014/main" id="{CB531847-A6E4-4B39-8DE4-72A66DE3CD97}"/>
-              </a:ext>
-            </a:extLst>
-          </p:cNvPr>
+            <a:endParaRPr lang="en-US" dirty="0"/>
+          </a:p>
+        </p:txBody>
+      </p:sp>
+      <p:sp>
+        <p:nvSpPr>
+          <p:cNvPr id="3" name="Content Placeholder 2"/>
           <p:cNvSpPr>
             <a:spLocks noGrp="1"/>
           </p:cNvSpPr>
@@ -1279,8 +1120,8 @@
         </p:nvSpPr>
         <p:spPr>
           <a:xfrm>
-            <a:off x="838200" y="1825625"/>
-            <a:ext cx="5181600" cy="4351338"/>
+            <a:off x="628650" y="1825625"/>
+            <a:ext cx="3886200" cy="4351338"/>
           </a:xfrm>
         </p:spPr>
         <p:txBody>
@@ -1320,19 +1161,13 @@
               <a:rPr lang="en-US"/>
               <a:t>Fifth level</a:t>
             </a:r>
-            <a:endParaRPr lang="en-SG"/>
-          </a:p>
-        </p:txBody>
-      </p:sp>
-      <p:sp>
-        <p:nvSpPr>
-          <p:cNvPr id="4" name="Content Placeholder 3">
-            <a:extLst>
-              <a:ext uri="{FF2B5EF4-FFF2-40B4-BE49-F238E27FC236}">
-                <a16:creationId xmlns:a16="http://schemas.microsoft.com/office/drawing/2014/main" id="{AEBAFD5C-F614-4F14-BDF0-A855C01CCA23}"/>
-              </a:ext>
-            </a:extLst>
-          </p:cNvPr>
+            <a:endParaRPr lang="en-US" dirty="0"/>
+          </a:p>
+        </p:txBody>
+      </p:sp>
+      <p:sp>
+        <p:nvSpPr>
+          <p:cNvPr id="4" name="Content Placeholder 3"/>
           <p:cNvSpPr>
             <a:spLocks noGrp="1"/>
           </p:cNvSpPr>
@@ -1342,8 +1177,8 @@
         </p:nvSpPr>
         <p:spPr>
           <a:xfrm>
-            <a:off x="6172200" y="1825625"/>
-            <a:ext cx="5181600" cy="4351338"/>
+            <a:off x="4629150" y="1825625"/>
+            <a:ext cx="3886200" cy="4351338"/>
           </a:xfrm>
         </p:spPr>
         <p:txBody>
@@ -1383,19 +1218,13 @@
               <a:rPr lang="en-US"/>
               <a:t>Fifth level</a:t>
             </a:r>
-            <a:endParaRPr lang="en-SG"/>
-          </a:p>
-        </p:txBody>
-      </p:sp>
-      <p:sp>
-        <p:nvSpPr>
-          <p:cNvPr id="5" name="Date Placeholder 4">
-            <a:extLst>
-              <a:ext uri="{FF2B5EF4-FFF2-40B4-BE49-F238E27FC236}">
-                <a16:creationId xmlns:a16="http://schemas.microsoft.com/office/drawing/2014/main" id="{EA2ABE0C-947A-4657-A490-08FA22CA9B42}"/>
-              </a:ext>
-            </a:extLst>
-          </p:cNvPr>
+            <a:endParaRPr lang="en-US" dirty="0"/>
+          </a:p>
+        </p:txBody>
+      </p:sp>
+      <p:sp>
+        <p:nvSpPr>
+          <p:cNvPr id="5" name="Date Placeholder 4"/>
           <p:cNvSpPr>
             <a:spLocks noGrp="1"/>
           </p:cNvSpPr>
@@ -1410,7 +1239,7 @@
           <a:p>
             <a:fld id="{01232E18-478A-4864-8FEB-26692C817BCB}" type="datetimeFigureOut">
               <a:rPr lang="en-SG" smtClean="0"/>
-              <a:t>28/10/2020</a:t>
+              <a:t>31/10/2020</a:t>
             </a:fld>
             <a:endParaRPr lang="en-SG"/>
           </a:p>
@@ -1418,13 +1247,7 @@
       </p:sp>
       <p:sp>
         <p:nvSpPr>
-          <p:cNvPr id="6" name="Footer Placeholder 5">
-            <a:extLst>
-              <a:ext uri="{FF2B5EF4-FFF2-40B4-BE49-F238E27FC236}">
-                <a16:creationId xmlns:a16="http://schemas.microsoft.com/office/drawing/2014/main" id="{15954864-FABD-4D3C-AC8B-0FAE9A0B2E74}"/>
-              </a:ext>
-            </a:extLst>
-          </p:cNvPr>
+          <p:cNvPr id="6" name="Footer Placeholder 5"/>
           <p:cNvSpPr>
             <a:spLocks noGrp="1"/>
           </p:cNvSpPr>
@@ -1443,13 +1266,7 @@
       </p:sp>
       <p:sp>
         <p:nvSpPr>
-          <p:cNvPr id="7" name="Slide Number Placeholder 6">
-            <a:extLst>
-              <a:ext uri="{FF2B5EF4-FFF2-40B4-BE49-F238E27FC236}">
-                <a16:creationId xmlns:a16="http://schemas.microsoft.com/office/drawing/2014/main" id="{5999022D-2314-42F2-AD57-F18FDE5E0853}"/>
-              </a:ext>
-            </a:extLst>
-          </p:cNvPr>
+          <p:cNvPr id="7" name="Slide Number Placeholder 6"/>
           <p:cNvSpPr>
             <a:spLocks noGrp="1"/>
           </p:cNvSpPr>
@@ -1473,7 +1290,7 @@
     </p:spTree>
     <p:extLst>
       <p:ext uri="{BB962C8B-B14F-4D97-AF65-F5344CB8AC3E}">
-        <p14:creationId xmlns:p14="http://schemas.microsoft.com/office/powerpoint/2010/main" val="115242598"/>
+        <p14:creationId xmlns:p14="http://schemas.microsoft.com/office/powerpoint/2010/main" val="3529172353"/>
       </p:ext>
     </p:extLst>
   </p:cSld>
@@ -1502,13 +1319,7 @@
       </p:grpSpPr>
       <p:sp>
         <p:nvSpPr>
-          <p:cNvPr id="2" name="Title 1">
-            <a:extLst>
-              <a:ext uri="{FF2B5EF4-FFF2-40B4-BE49-F238E27FC236}">
-                <a16:creationId xmlns:a16="http://schemas.microsoft.com/office/drawing/2014/main" id="{D7E63070-A50F-43AD-80C6-BDC429502E87}"/>
-              </a:ext>
-            </a:extLst>
-          </p:cNvPr>
+          <p:cNvPr id="2" name="Title 1"/>
           <p:cNvSpPr>
             <a:spLocks noGrp="1"/>
           </p:cNvSpPr>
@@ -1518,8 +1329,8 @@
         </p:nvSpPr>
         <p:spPr>
           <a:xfrm>
-            <a:off x="839788" y="365125"/>
-            <a:ext cx="10515600" cy="1325563"/>
+            <a:off x="629841" y="365126"/>
+            <a:ext cx="7886700" cy="1325563"/>
           </a:xfrm>
         </p:spPr>
         <p:txBody>
@@ -1530,19 +1341,13 @@
               <a:rPr lang="en-US"/>
               <a:t>Click to edit Master title style</a:t>
             </a:r>
-            <a:endParaRPr lang="en-SG"/>
-          </a:p>
-        </p:txBody>
-      </p:sp>
-      <p:sp>
-        <p:nvSpPr>
-          <p:cNvPr id="3" name="Text Placeholder 2">
-            <a:extLst>
-              <a:ext uri="{FF2B5EF4-FFF2-40B4-BE49-F238E27FC236}">
-                <a16:creationId xmlns:a16="http://schemas.microsoft.com/office/drawing/2014/main" id="{9E1452DC-9BEE-4ED1-A1B3-1E04B2FF0DBF}"/>
-              </a:ext>
-            </a:extLst>
-          </p:cNvPr>
+            <a:endParaRPr lang="en-US" dirty="0"/>
+          </a:p>
+        </p:txBody>
+      </p:sp>
+      <p:sp>
+        <p:nvSpPr>
+          <p:cNvPr id="3" name="Text Placeholder 2"/>
           <p:cNvSpPr>
             <a:spLocks noGrp="1"/>
           </p:cNvSpPr>
@@ -1552,8 +1357,8 @@
         </p:nvSpPr>
         <p:spPr>
           <a:xfrm>
-            <a:off x="839788" y="1681163"/>
-            <a:ext cx="5157787" cy="823912"/>
+            <a:off x="629842" y="1681163"/>
+            <a:ext cx="3868340" cy="823912"/>
           </a:xfrm>
         </p:spPr>
         <p:txBody>
@@ -1607,13 +1412,7 @@
       </p:sp>
       <p:sp>
         <p:nvSpPr>
-          <p:cNvPr id="4" name="Content Placeholder 3">
-            <a:extLst>
-              <a:ext uri="{FF2B5EF4-FFF2-40B4-BE49-F238E27FC236}">
-                <a16:creationId xmlns:a16="http://schemas.microsoft.com/office/drawing/2014/main" id="{3BBAFEB6-27FD-4A4C-965E-A06B691F8EF8}"/>
-              </a:ext>
-            </a:extLst>
-          </p:cNvPr>
+          <p:cNvPr id="4" name="Content Placeholder 3"/>
           <p:cNvSpPr>
             <a:spLocks noGrp="1"/>
           </p:cNvSpPr>
@@ -1623,8 +1422,8 @@
         </p:nvSpPr>
         <p:spPr>
           <a:xfrm>
-            <a:off x="839788" y="2505075"/>
-            <a:ext cx="5157787" cy="3684588"/>
+            <a:off x="629842" y="2505075"/>
+            <a:ext cx="3868340" cy="3684588"/>
           </a:xfrm>
         </p:spPr>
         <p:txBody>
@@ -1664,19 +1463,13 @@
               <a:rPr lang="en-US"/>
               <a:t>Fifth level</a:t>
             </a:r>
-            <a:endParaRPr lang="en-SG"/>
-          </a:p>
-        </p:txBody>
-      </p:sp>
-      <p:sp>
-        <p:nvSpPr>
-          <p:cNvPr id="5" name="Text Placeholder 4">
-            <a:extLst>
-              <a:ext uri="{FF2B5EF4-FFF2-40B4-BE49-F238E27FC236}">
-                <a16:creationId xmlns:a16="http://schemas.microsoft.com/office/drawing/2014/main" id="{490AFFAC-0919-4C43-9814-8E3BBCD3C39A}"/>
-              </a:ext>
-            </a:extLst>
-          </p:cNvPr>
+            <a:endParaRPr lang="en-US" dirty="0"/>
+          </a:p>
+        </p:txBody>
+      </p:sp>
+      <p:sp>
+        <p:nvSpPr>
+          <p:cNvPr id="5" name="Text Placeholder 4"/>
           <p:cNvSpPr>
             <a:spLocks noGrp="1"/>
           </p:cNvSpPr>
@@ -1686,8 +1479,8 @@
         </p:nvSpPr>
         <p:spPr>
           <a:xfrm>
-            <a:off x="6172200" y="1681163"/>
-            <a:ext cx="5183188" cy="823912"/>
+            <a:off x="4629150" y="1681163"/>
+            <a:ext cx="3887391" cy="823912"/>
           </a:xfrm>
         </p:spPr>
         <p:txBody>
@@ -1741,13 +1534,7 @@
       </p:sp>
       <p:sp>
         <p:nvSpPr>
-          <p:cNvPr id="6" name="Content Placeholder 5">
-            <a:extLst>
-              <a:ext uri="{FF2B5EF4-FFF2-40B4-BE49-F238E27FC236}">
-                <a16:creationId xmlns:a16="http://schemas.microsoft.com/office/drawing/2014/main" id="{257E5090-CD7E-4DA7-A457-04D0CA0AA231}"/>
-              </a:ext>
-            </a:extLst>
-          </p:cNvPr>
+          <p:cNvPr id="6" name="Content Placeholder 5"/>
           <p:cNvSpPr>
             <a:spLocks noGrp="1"/>
           </p:cNvSpPr>
@@ -1757,8 +1544,8 @@
         </p:nvSpPr>
         <p:spPr>
           <a:xfrm>
-            <a:off x="6172200" y="2505075"/>
-            <a:ext cx="5183188" cy="3684588"/>
+            <a:off x="4629150" y="2505075"/>
+            <a:ext cx="3887391" cy="3684588"/>
           </a:xfrm>
         </p:spPr>
         <p:txBody>
@@ -1798,19 +1585,13 @@
               <a:rPr lang="en-US"/>
               <a:t>Fifth level</a:t>
             </a:r>
-            <a:endParaRPr lang="en-SG"/>
-          </a:p>
-        </p:txBody>
-      </p:sp>
-      <p:sp>
-        <p:nvSpPr>
-          <p:cNvPr id="7" name="Date Placeholder 6">
-            <a:extLst>
-              <a:ext uri="{FF2B5EF4-FFF2-40B4-BE49-F238E27FC236}">
-                <a16:creationId xmlns:a16="http://schemas.microsoft.com/office/drawing/2014/main" id="{973E013E-8069-4F30-8C36-D990A4749431}"/>
-              </a:ext>
-            </a:extLst>
-          </p:cNvPr>
+            <a:endParaRPr lang="en-US" dirty="0"/>
+          </a:p>
+        </p:txBody>
+      </p:sp>
+      <p:sp>
+        <p:nvSpPr>
+          <p:cNvPr id="7" name="Date Placeholder 6"/>
           <p:cNvSpPr>
             <a:spLocks noGrp="1"/>
           </p:cNvSpPr>
@@ -1825,7 +1606,7 @@
           <a:p>
             <a:fld id="{01232E18-478A-4864-8FEB-26692C817BCB}" type="datetimeFigureOut">
               <a:rPr lang="en-SG" smtClean="0"/>
-              <a:t>28/10/2020</a:t>
+              <a:t>31/10/2020</a:t>
             </a:fld>
             <a:endParaRPr lang="en-SG"/>
           </a:p>
@@ -1833,13 +1614,7 @@
       </p:sp>
       <p:sp>
         <p:nvSpPr>
-          <p:cNvPr id="8" name="Footer Placeholder 7">
-            <a:extLst>
-              <a:ext uri="{FF2B5EF4-FFF2-40B4-BE49-F238E27FC236}">
-                <a16:creationId xmlns:a16="http://schemas.microsoft.com/office/drawing/2014/main" id="{F90760B8-F740-401A-9279-EFFB3ADBE759}"/>
-              </a:ext>
-            </a:extLst>
-          </p:cNvPr>
+          <p:cNvPr id="8" name="Footer Placeholder 7"/>
           <p:cNvSpPr>
             <a:spLocks noGrp="1"/>
           </p:cNvSpPr>
@@ -1858,13 +1633,7 @@
       </p:sp>
       <p:sp>
         <p:nvSpPr>
-          <p:cNvPr id="9" name="Slide Number Placeholder 8">
-            <a:extLst>
-              <a:ext uri="{FF2B5EF4-FFF2-40B4-BE49-F238E27FC236}">
-                <a16:creationId xmlns:a16="http://schemas.microsoft.com/office/drawing/2014/main" id="{E92E2087-53F2-4065-B4F7-2234756DC9AB}"/>
-              </a:ext>
-            </a:extLst>
-          </p:cNvPr>
+          <p:cNvPr id="9" name="Slide Number Placeholder 8"/>
           <p:cNvSpPr>
             <a:spLocks noGrp="1"/>
           </p:cNvSpPr>
@@ -1888,7 +1657,7 @@
     </p:spTree>
     <p:extLst>
       <p:ext uri="{BB962C8B-B14F-4D97-AF65-F5344CB8AC3E}">
-        <p14:creationId xmlns:p14="http://schemas.microsoft.com/office/powerpoint/2010/main" val="576771496"/>
+        <p14:creationId xmlns:p14="http://schemas.microsoft.com/office/powerpoint/2010/main" val="2765720714"/>
       </p:ext>
     </p:extLst>
   </p:cSld>
@@ -1917,13 +1686,7 @@
       </p:grpSpPr>
       <p:sp>
         <p:nvSpPr>
-          <p:cNvPr id="2" name="Title 1">
-            <a:extLst>
-              <a:ext uri="{FF2B5EF4-FFF2-40B4-BE49-F238E27FC236}">
-                <a16:creationId xmlns:a16="http://schemas.microsoft.com/office/drawing/2014/main" id="{AFDF3497-D010-4E02-A60F-56276D316E2B}"/>
-              </a:ext>
-            </a:extLst>
-          </p:cNvPr>
+          <p:cNvPr id="2" name="Title 1"/>
           <p:cNvSpPr>
             <a:spLocks noGrp="1"/>
           </p:cNvSpPr>
@@ -1940,19 +1703,13 @@
               <a:rPr lang="en-US"/>
               <a:t>Click to edit Master title style</a:t>
             </a:r>
-            <a:endParaRPr lang="en-SG"/>
-          </a:p>
-        </p:txBody>
-      </p:sp>
-      <p:sp>
-        <p:nvSpPr>
-          <p:cNvPr id="3" name="Date Placeholder 2">
-            <a:extLst>
-              <a:ext uri="{FF2B5EF4-FFF2-40B4-BE49-F238E27FC236}">
-                <a16:creationId xmlns:a16="http://schemas.microsoft.com/office/drawing/2014/main" id="{83E279E2-D15C-4F49-8E72-4CCA6C54511E}"/>
-              </a:ext>
-            </a:extLst>
-          </p:cNvPr>
+            <a:endParaRPr lang="en-US" dirty="0"/>
+          </a:p>
+        </p:txBody>
+      </p:sp>
+      <p:sp>
+        <p:nvSpPr>
+          <p:cNvPr id="3" name="Date Placeholder 2"/>
           <p:cNvSpPr>
             <a:spLocks noGrp="1"/>
           </p:cNvSpPr>
@@ -1967,7 +1724,7 @@
           <a:p>
             <a:fld id="{01232E18-478A-4864-8FEB-26692C817BCB}" type="datetimeFigureOut">
               <a:rPr lang="en-SG" smtClean="0"/>
-              <a:t>28/10/2020</a:t>
+              <a:t>31/10/2020</a:t>
             </a:fld>
             <a:endParaRPr lang="en-SG"/>
           </a:p>
@@ -1975,13 +1732,7 @@
       </p:sp>
       <p:sp>
         <p:nvSpPr>
-          <p:cNvPr id="4" name="Footer Placeholder 3">
-            <a:extLst>
-              <a:ext uri="{FF2B5EF4-FFF2-40B4-BE49-F238E27FC236}">
-                <a16:creationId xmlns:a16="http://schemas.microsoft.com/office/drawing/2014/main" id="{CF8B7002-741E-4FB0-8E17-37E34E60B0F1}"/>
-              </a:ext>
-            </a:extLst>
-          </p:cNvPr>
+          <p:cNvPr id="4" name="Footer Placeholder 3"/>
           <p:cNvSpPr>
             <a:spLocks noGrp="1"/>
           </p:cNvSpPr>
@@ -2000,13 +1751,7 @@
       </p:sp>
       <p:sp>
         <p:nvSpPr>
-          <p:cNvPr id="5" name="Slide Number Placeholder 4">
-            <a:extLst>
-              <a:ext uri="{FF2B5EF4-FFF2-40B4-BE49-F238E27FC236}">
-                <a16:creationId xmlns:a16="http://schemas.microsoft.com/office/drawing/2014/main" id="{945FDF17-35A0-4AC6-B4F7-2278A63CF0AF}"/>
-              </a:ext>
-            </a:extLst>
-          </p:cNvPr>
+          <p:cNvPr id="5" name="Slide Number Placeholder 4"/>
           <p:cNvSpPr>
             <a:spLocks noGrp="1"/>
           </p:cNvSpPr>
@@ -2030,7 +1775,7 @@
     </p:spTree>
     <p:extLst>
       <p:ext uri="{BB962C8B-B14F-4D97-AF65-F5344CB8AC3E}">
-        <p14:creationId xmlns:p14="http://schemas.microsoft.com/office/powerpoint/2010/main" val="1442022611"/>
+        <p14:creationId xmlns:p14="http://schemas.microsoft.com/office/powerpoint/2010/main" val="3033989943"/>
       </p:ext>
     </p:extLst>
   </p:cSld>
@@ -2059,13 +1804,7 @@
       </p:grpSpPr>
       <p:sp>
         <p:nvSpPr>
-          <p:cNvPr id="2" name="Date Placeholder 1">
-            <a:extLst>
-              <a:ext uri="{FF2B5EF4-FFF2-40B4-BE49-F238E27FC236}">
-                <a16:creationId xmlns:a16="http://schemas.microsoft.com/office/drawing/2014/main" id="{ACE97CB6-3520-4467-9727-BD8ABF2EE126}"/>
-              </a:ext>
-            </a:extLst>
-          </p:cNvPr>
+          <p:cNvPr id="2" name="Date Placeholder 1"/>
           <p:cNvSpPr>
             <a:spLocks noGrp="1"/>
           </p:cNvSpPr>
@@ -2080,7 +1819,7 @@
           <a:p>
             <a:fld id="{01232E18-478A-4864-8FEB-26692C817BCB}" type="datetimeFigureOut">
               <a:rPr lang="en-SG" smtClean="0"/>
-              <a:t>28/10/2020</a:t>
+              <a:t>31/10/2020</a:t>
             </a:fld>
             <a:endParaRPr lang="en-SG"/>
           </a:p>
@@ -2088,13 +1827,7 @@
       </p:sp>
       <p:sp>
         <p:nvSpPr>
-          <p:cNvPr id="3" name="Footer Placeholder 2">
-            <a:extLst>
-              <a:ext uri="{FF2B5EF4-FFF2-40B4-BE49-F238E27FC236}">
-                <a16:creationId xmlns:a16="http://schemas.microsoft.com/office/drawing/2014/main" id="{3FB2E41B-837B-4E8B-AA20-51FD098DD178}"/>
-              </a:ext>
-            </a:extLst>
-          </p:cNvPr>
+          <p:cNvPr id="3" name="Footer Placeholder 2"/>
           <p:cNvSpPr>
             <a:spLocks noGrp="1"/>
           </p:cNvSpPr>
@@ -2113,13 +1846,7 @@
       </p:sp>
       <p:sp>
         <p:nvSpPr>
-          <p:cNvPr id="4" name="Slide Number Placeholder 3">
-            <a:extLst>
-              <a:ext uri="{FF2B5EF4-FFF2-40B4-BE49-F238E27FC236}">
-                <a16:creationId xmlns:a16="http://schemas.microsoft.com/office/drawing/2014/main" id="{C6773007-84C0-43D4-AB41-223F5069CC43}"/>
-              </a:ext>
-            </a:extLst>
-          </p:cNvPr>
+          <p:cNvPr id="4" name="Slide Number Placeholder 3"/>
           <p:cNvSpPr>
             <a:spLocks noGrp="1"/>
           </p:cNvSpPr>
@@ -2143,7 +1870,7 @@
     </p:spTree>
     <p:extLst>
       <p:ext uri="{BB962C8B-B14F-4D97-AF65-F5344CB8AC3E}">
-        <p14:creationId xmlns:p14="http://schemas.microsoft.com/office/powerpoint/2010/main" val="2540319960"/>
+        <p14:creationId xmlns:p14="http://schemas.microsoft.com/office/powerpoint/2010/main" val="2710532544"/>
       </p:ext>
     </p:extLst>
   </p:cSld>
@@ -2172,13 +1899,7 @@
       </p:grpSpPr>
       <p:sp>
         <p:nvSpPr>
-          <p:cNvPr id="2" name="Title 1">
-            <a:extLst>
-              <a:ext uri="{FF2B5EF4-FFF2-40B4-BE49-F238E27FC236}">
-                <a16:creationId xmlns:a16="http://schemas.microsoft.com/office/drawing/2014/main" id="{F93494A2-C0E5-4C45-98C2-477B20783C81}"/>
-              </a:ext>
-            </a:extLst>
-          </p:cNvPr>
+          <p:cNvPr id="2" name="Title 1"/>
           <p:cNvSpPr>
             <a:spLocks noGrp="1"/>
           </p:cNvSpPr>
@@ -2188,8 +1909,8 @@
         </p:nvSpPr>
         <p:spPr>
           <a:xfrm>
-            <a:off x="839788" y="457200"/>
-            <a:ext cx="3932237" cy="1600200"/>
+            <a:off x="629841" y="457200"/>
+            <a:ext cx="2949178" cy="1600200"/>
           </a:xfrm>
         </p:spPr>
         <p:txBody>
@@ -2204,19 +1925,13 @@
               <a:rPr lang="en-US"/>
               <a:t>Click to edit Master title style</a:t>
             </a:r>
-            <a:endParaRPr lang="en-SG"/>
-          </a:p>
-        </p:txBody>
-      </p:sp>
-      <p:sp>
-        <p:nvSpPr>
-          <p:cNvPr id="3" name="Content Placeholder 2">
-            <a:extLst>
-              <a:ext uri="{FF2B5EF4-FFF2-40B4-BE49-F238E27FC236}">
-                <a16:creationId xmlns:a16="http://schemas.microsoft.com/office/drawing/2014/main" id="{001065FA-BB8E-4321-9F8B-17BD3DE9C3BA}"/>
-              </a:ext>
-            </a:extLst>
-          </p:cNvPr>
+            <a:endParaRPr lang="en-US" dirty="0"/>
+          </a:p>
+        </p:txBody>
+      </p:sp>
+      <p:sp>
+        <p:nvSpPr>
+          <p:cNvPr id="3" name="Content Placeholder 2"/>
           <p:cNvSpPr>
             <a:spLocks noGrp="1"/>
           </p:cNvSpPr>
@@ -2226,8 +1941,8 @@
         </p:nvSpPr>
         <p:spPr>
           <a:xfrm>
-            <a:off x="5183188" y="987425"/>
-            <a:ext cx="6172200" cy="4873625"/>
+            <a:off x="3887391" y="987426"/>
+            <a:ext cx="4629150" cy="4873625"/>
           </a:xfrm>
         </p:spPr>
         <p:txBody>
@@ -2295,19 +2010,13 @@
               <a:rPr lang="en-US"/>
               <a:t>Fifth level</a:t>
             </a:r>
-            <a:endParaRPr lang="en-SG"/>
-          </a:p>
-        </p:txBody>
-      </p:sp>
-      <p:sp>
-        <p:nvSpPr>
-          <p:cNvPr id="4" name="Text Placeholder 3">
-            <a:extLst>
-              <a:ext uri="{FF2B5EF4-FFF2-40B4-BE49-F238E27FC236}">
-                <a16:creationId xmlns:a16="http://schemas.microsoft.com/office/drawing/2014/main" id="{472082AC-7A49-4D63-B0C0-8214D78648D6}"/>
-              </a:ext>
-            </a:extLst>
-          </p:cNvPr>
+            <a:endParaRPr lang="en-US" dirty="0"/>
+          </a:p>
+        </p:txBody>
+      </p:sp>
+      <p:sp>
+        <p:nvSpPr>
+          <p:cNvPr id="4" name="Text Placeholder 3"/>
           <p:cNvSpPr>
             <a:spLocks noGrp="1"/>
           </p:cNvSpPr>
@@ -2317,8 +2026,8 @@
         </p:nvSpPr>
         <p:spPr>
           <a:xfrm>
-            <a:off x="839788" y="2057400"/>
-            <a:ext cx="3932237" cy="3811588"/>
+            <a:off x="629841" y="2057400"/>
+            <a:ext cx="2949178" cy="3811588"/>
           </a:xfrm>
         </p:spPr>
         <p:txBody>
@@ -2372,13 +2081,7 @@
       </p:sp>
       <p:sp>
         <p:nvSpPr>
-          <p:cNvPr id="5" name="Date Placeholder 4">
-            <a:extLst>
-              <a:ext uri="{FF2B5EF4-FFF2-40B4-BE49-F238E27FC236}">
-                <a16:creationId xmlns:a16="http://schemas.microsoft.com/office/drawing/2014/main" id="{35D679F2-3744-414D-BBBD-60A0F029D53B}"/>
-              </a:ext>
-            </a:extLst>
-          </p:cNvPr>
+          <p:cNvPr id="5" name="Date Placeholder 4"/>
           <p:cNvSpPr>
             <a:spLocks noGrp="1"/>
           </p:cNvSpPr>
@@ -2393,7 +2096,7 @@
           <a:p>
             <a:fld id="{01232E18-478A-4864-8FEB-26692C817BCB}" type="datetimeFigureOut">
               <a:rPr lang="en-SG" smtClean="0"/>
-              <a:t>28/10/2020</a:t>
+              <a:t>31/10/2020</a:t>
             </a:fld>
             <a:endParaRPr lang="en-SG"/>
           </a:p>
@@ -2401,13 +2104,7 @@
       </p:sp>
       <p:sp>
         <p:nvSpPr>
-          <p:cNvPr id="6" name="Footer Placeholder 5">
-            <a:extLst>
-              <a:ext uri="{FF2B5EF4-FFF2-40B4-BE49-F238E27FC236}">
-                <a16:creationId xmlns:a16="http://schemas.microsoft.com/office/drawing/2014/main" id="{6663AB62-B947-4A1F-BE14-AC25DCFFDCDD}"/>
-              </a:ext>
-            </a:extLst>
-          </p:cNvPr>
+          <p:cNvPr id="6" name="Footer Placeholder 5"/>
           <p:cNvSpPr>
             <a:spLocks noGrp="1"/>
           </p:cNvSpPr>
@@ -2426,13 +2123,7 @@
       </p:sp>
       <p:sp>
         <p:nvSpPr>
-          <p:cNvPr id="7" name="Slide Number Placeholder 6">
-            <a:extLst>
-              <a:ext uri="{FF2B5EF4-FFF2-40B4-BE49-F238E27FC236}">
-                <a16:creationId xmlns:a16="http://schemas.microsoft.com/office/drawing/2014/main" id="{08D282DC-919F-465F-B811-250E6B3F472B}"/>
-              </a:ext>
-            </a:extLst>
-          </p:cNvPr>
+          <p:cNvPr id="7" name="Slide Number Placeholder 6"/>
           <p:cNvSpPr>
             <a:spLocks noGrp="1"/>
           </p:cNvSpPr>
@@ -2456,7 +2147,7 @@
     </p:spTree>
     <p:extLst>
       <p:ext uri="{BB962C8B-B14F-4D97-AF65-F5344CB8AC3E}">
-        <p14:creationId xmlns:p14="http://schemas.microsoft.com/office/powerpoint/2010/main" val="662347189"/>
+        <p14:creationId xmlns:p14="http://schemas.microsoft.com/office/powerpoint/2010/main" val="3578873084"/>
       </p:ext>
     </p:extLst>
   </p:cSld>
@@ -2485,13 +2176,7 @@
       </p:grpSpPr>
       <p:sp>
         <p:nvSpPr>
-          <p:cNvPr id="2" name="Title 1">
-            <a:extLst>
-              <a:ext uri="{FF2B5EF4-FFF2-40B4-BE49-F238E27FC236}">
-                <a16:creationId xmlns:a16="http://schemas.microsoft.com/office/drawing/2014/main" id="{5FD43623-7B6A-433B-AED1-4FB48D1F5F59}"/>
-              </a:ext>
-            </a:extLst>
-          </p:cNvPr>
+          <p:cNvPr id="2" name="Title 1"/>
           <p:cNvSpPr>
             <a:spLocks noGrp="1"/>
           </p:cNvSpPr>
@@ -2501,8 +2186,8 @@
         </p:nvSpPr>
         <p:spPr>
           <a:xfrm>
-            <a:off x="839788" y="457200"/>
-            <a:ext cx="3932237" cy="1600200"/>
+            <a:off x="629841" y="457200"/>
+            <a:ext cx="2949178" cy="1600200"/>
           </a:xfrm>
         </p:spPr>
         <p:txBody>
@@ -2517,21 +2202,15 @@
               <a:rPr lang="en-US"/>
               <a:t>Click to edit Master title style</a:t>
             </a:r>
-            <a:endParaRPr lang="en-SG"/>
-          </a:p>
-        </p:txBody>
-      </p:sp>
-      <p:sp>
-        <p:nvSpPr>
-          <p:cNvPr id="3" name="Picture Placeholder 2">
-            <a:extLst>
-              <a:ext uri="{FF2B5EF4-FFF2-40B4-BE49-F238E27FC236}">
-                <a16:creationId xmlns:a16="http://schemas.microsoft.com/office/drawing/2014/main" id="{BABF4674-FE01-4D5F-8E93-A70A6C993602}"/>
-              </a:ext>
-            </a:extLst>
-          </p:cNvPr>
-          <p:cNvSpPr>
-            <a:spLocks noGrp="1"/>
+            <a:endParaRPr lang="en-US" dirty="0"/>
+          </a:p>
+        </p:txBody>
+      </p:sp>
+      <p:sp>
+        <p:nvSpPr>
+          <p:cNvPr id="3" name="Picture Placeholder 2"/>
+          <p:cNvSpPr>
+            <a:spLocks noGrp="1" noChangeAspect="1"/>
           </p:cNvSpPr>
           <p:nvPr>
             <p:ph type="pic" idx="1"/>
@@ -2539,12 +2218,12 @@
         </p:nvSpPr>
         <p:spPr>
           <a:xfrm>
-            <a:off x="5183188" y="987425"/>
-            <a:ext cx="6172200" cy="4873625"/>
-          </a:xfrm>
-        </p:spPr>
-        <p:txBody>
-          <a:bodyPr/>
+            <a:off x="3887391" y="987426"/>
+            <a:ext cx="4629150" cy="4873625"/>
+          </a:xfrm>
+        </p:spPr>
+        <p:txBody>
+          <a:bodyPr anchor="t"/>
           <a:lstStyle>
             <a:lvl1pPr marL="0" indent="0">
               <a:buNone/>
@@ -2584,19 +2263,17 @@
             </a:lvl9pPr>
           </a:lstStyle>
           <a:p>
-            <a:endParaRPr lang="en-SG"/>
-          </a:p>
-        </p:txBody>
-      </p:sp>
-      <p:sp>
-        <p:nvSpPr>
-          <p:cNvPr id="4" name="Text Placeholder 3">
-            <a:extLst>
-              <a:ext uri="{FF2B5EF4-FFF2-40B4-BE49-F238E27FC236}">
-                <a16:creationId xmlns:a16="http://schemas.microsoft.com/office/drawing/2014/main" id="{FB03B889-99FE-4A36-B0D5-58382EA45B2A}"/>
-              </a:ext>
-            </a:extLst>
-          </p:cNvPr>
+            <a:r>
+              <a:rPr lang="en-US"/>
+              <a:t>Click icon to add picture</a:t>
+            </a:r>
+            <a:endParaRPr lang="en-US" dirty="0"/>
+          </a:p>
+        </p:txBody>
+      </p:sp>
+      <p:sp>
+        <p:nvSpPr>
+          <p:cNvPr id="4" name="Text Placeholder 3"/>
           <p:cNvSpPr>
             <a:spLocks noGrp="1"/>
           </p:cNvSpPr>
@@ -2606,8 +2283,8 @@
         </p:nvSpPr>
         <p:spPr>
           <a:xfrm>
-            <a:off x="839788" y="2057400"/>
-            <a:ext cx="3932237" cy="3811588"/>
+            <a:off x="629841" y="2057400"/>
+            <a:ext cx="2949178" cy="3811588"/>
           </a:xfrm>
         </p:spPr>
         <p:txBody>
@@ -2661,13 +2338,7 @@
       </p:sp>
       <p:sp>
         <p:nvSpPr>
-          <p:cNvPr id="5" name="Date Placeholder 4">
-            <a:extLst>
-              <a:ext uri="{FF2B5EF4-FFF2-40B4-BE49-F238E27FC236}">
-                <a16:creationId xmlns:a16="http://schemas.microsoft.com/office/drawing/2014/main" id="{6BCB34D0-44C4-41A7-B9E6-C50C5523C502}"/>
-              </a:ext>
-            </a:extLst>
-          </p:cNvPr>
+          <p:cNvPr id="5" name="Date Placeholder 4"/>
           <p:cNvSpPr>
             <a:spLocks noGrp="1"/>
           </p:cNvSpPr>
@@ -2682,7 +2353,7 @@
           <a:p>
             <a:fld id="{01232E18-478A-4864-8FEB-26692C817BCB}" type="datetimeFigureOut">
               <a:rPr lang="en-SG" smtClean="0"/>
-              <a:t>28/10/2020</a:t>
+              <a:t>31/10/2020</a:t>
             </a:fld>
             <a:endParaRPr lang="en-SG"/>
           </a:p>
@@ -2690,13 +2361,7 @@
       </p:sp>
       <p:sp>
         <p:nvSpPr>
-          <p:cNvPr id="6" name="Footer Placeholder 5">
-            <a:extLst>
-              <a:ext uri="{FF2B5EF4-FFF2-40B4-BE49-F238E27FC236}">
-                <a16:creationId xmlns:a16="http://schemas.microsoft.com/office/drawing/2014/main" id="{6D9A52AA-4F7A-47E2-9FC6-E3052ADAE7CC}"/>
-              </a:ext>
-            </a:extLst>
-          </p:cNvPr>
+          <p:cNvPr id="6" name="Footer Placeholder 5"/>
           <p:cNvSpPr>
             <a:spLocks noGrp="1"/>
           </p:cNvSpPr>
@@ -2715,13 +2380,7 @@
       </p:sp>
       <p:sp>
         <p:nvSpPr>
-          <p:cNvPr id="7" name="Slide Number Placeholder 6">
-            <a:extLst>
-              <a:ext uri="{FF2B5EF4-FFF2-40B4-BE49-F238E27FC236}">
-                <a16:creationId xmlns:a16="http://schemas.microsoft.com/office/drawing/2014/main" id="{CD9514FE-F44B-46EB-8642-1DB46AFECDD4}"/>
-              </a:ext>
-            </a:extLst>
-          </p:cNvPr>
+          <p:cNvPr id="7" name="Slide Number Placeholder 6"/>
           <p:cNvSpPr>
             <a:spLocks noGrp="1"/>
           </p:cNvSpPr>
@@ -2745,7 +2404,7 @@
     </p:spTree>
     <p:extLst>
       <p:ext uri="{BB962C8B-B14F-4D97-AF65-F5344CB8AC3E}">
-        <p14:creationId xmlns:p14="http://schemas.microsoft.com/office/powerpoint/2010/main" val="4060031226"/>
+        <p14:creationId xmlns:p14="http://schemas.microsoft.com/office/powerpoint/2010/main" val="2558314225"/>
       </p:ext>
     </p:extLst>
   </p:cSld>
@@ -2779,13 +2438,7 @@
       </p:grpSpPr>
       <p:sp>
         <p:nvSpPr>
-          <p:cNvPr id="2" name="Title Placeholder 1">
-            <a:extLst>
-              <a:ext uri="{FF2B5EF4-FFF2-40B4-BE49-F238E27FC236}">
-                <a16:creationId xmlns:a16="http://schemas.microsoft.com/office/drawing/2014/main" id="{30A25C47-259F-4B91-9D6D-D2FA84C9C251}"/>
-              </a:ext>
-            </a:extLst>
-          </p:cNvPr>
+          <p:cNvPr id="2" name="Title Placeholder 1"/>
           <p:cNvSpPr>
             <a:spLocks noGrp="1"/>
           </p:cNvSpPr>
@@ -2795,8 +2448,8 @@
         </p:nvSpPr>
         <p:spPr>
           <a:xfrm>
-            <a:off x="838200" y="365125"/>
-            <a:ext cx="10515600" cy="1325563"/>
+            <a:off x="628650" y="365126"/>
+            <a:ext cx="7886700" cy="1325563"/>
           </a:xfrm>
           <a:prstGeom prst="rect">
             <a:avLst/>
@@ -2812,19 +2465,13 @@
               <a:rPr lang="en-US"/>
               <a:t>Click to edit Master title style</a:t>
             </a:r>
-            <a:endParaRPr lang="en-SG"/>
-          </a:p>
-        </p:txBody>
-      </p:sp>
-      <p:sp>
-        <p:nvSpPr>
-          <p:cNvPr id="3" name="Text Placeholder 2">
-            <a:extLst>
-              <a:ext uri="{FF2B5EF4-FFF2-40B4-BE49-F238E27FC236}">
-                <a16:creationId xmlns:a16="http://schemas.microsoft.com/office/drawing/2014/main" id="{0597D5BA-3CD3-4318-A291-0ABEA414E5ED}"/>
-              </a:ext>
-            </a:extLst>
-          </p:cNvPr>
+            <a:endParaRPr lang="en-US" dirty="0"/>
+          </a:p>
+        </p:txBody>
+      </p:sp>
+      <p:sp>
+        <p:nvSpPr>
+          <p:cNvPr id="3" name="Text Placeholder 2"/>
           <p:cNvSpPr>
             <a:spLocks noGrp="1"/>
           </p:cNvSpPr>
@@ -2834,8 +2481,8 @@
         </p:nvSpPr>
         <p:spPr>
           <a:xfrm>
-            <a:off x="838200" y="1825625"/>
-            <a:ext cx="10515600" cy="4351338"/>
+            <a:off x="628650" y="1825625"/>
+            <a:ext cx="7886700" cy="4351338"/>
           </a:xfrm>
           <a:prstGeom prst="rect">
             <a:avLst/>
@@ -2880,19 +2527,13 @@
               <a:rPr lang="en-US"/>
               <a:t>Fifth level</a:t>
             </a:r>
-            <a:endParaRPr lang="en-SG"/>
-          </a:p>
-        </p:txBody>
-      </p:sp>
-      <p:sp>
-        <p:nvSpPr>
-          <p:cNvPr id="4" name="Date Placeholder 3">
-            <a:extLst>
-              <a:ext uri="{FF2B5EF4-FFF2-40B4-BE49-F238E27FC236}">
-                <a16:creationId xmlns:a16="http://schemas.microsoft.com/office/drawing/2014/main" id="{5CF77068-8BB9-443B-8BCB-8F171B9B8270}"/>
-              </a:ext>
-            </a:extLst>
-          </p:cNvPr>
+            <a:endParaRPr lang="en-US" dirty="0"/>
+          </a:p>
+        </p:txBody>
+      </p:sp>
+      <p:sp>
+        <p:nvSpPr>
+          <p:cNvPr id="4" name="Date Placeholder 3"/>
           <p:cNvSpPr>
             <a:spLocks noGrp="1"/>
           </p:cNvSpPr>
@@ -2902,8 +2543,8 @@
         </p:nvSpPr>
         <p:spPr>
           <a:xfrm>
-            <a:off x="838200" y="6356350"/>
-            <a:ext cx="2743200" cy="365125"/>
+            <a:off x="628650" y="6356351"/>
+            <a:ext cx="2057400" cy="365125"/>
           </a:xfrm>
           <a:prstGeom prst="rect">
             <a:avLst/>
@@ -2925,7 +2566,7 @@
           <a:p>
             <a:fld id="{01232E18-478A-4864-8FEB-26692C817BCB}" type="datetimeFigureOut">
               <a:rPr lang="en-SG" smtClean="0"/>
-              <a:t>28/10/2020</a:t>
+              <a:t>31/10/2020</a:t>
             </a:fld>
             <a:endParaRPr lang="en-SG"/>
           </a:p>
@@ -2933,13 +2574,7 @@
       </p:sp>
       <p:sp>
         <p:nvSpPr>
-          <p:cNvPr id="5" name="Footer Placeholder 4">
-            <a:extLst>
-              <a:ext uri="{FF2B5EF4-FFF2-40B4-BE49-F238E27FC236}">
-                <a16:creationId xmlns:a16="http://schemas.microsoft.com/office/drawing/2014/main" id="{604C671B-5391-4CB6-97C0-89828FF3E942}"/>
-              </a:ext>
-            </a:extLst>
-          </p:cNvPr>
+          <p:cNvPr id="5" name="Footer Placeholder 4"/>
           <p:cNvSpPr>
             <a:spLocks noGrp="1"/>
           </p:cNvSpPr>
@@ -2949,8 +2584,8 @@
         </p:nvSpPr>
         <p:spPr>
           <a:xfrm>
-            <a:off x="4038600" y="6356350"/>
-            <a:ext cx="4114800" cy="365125"/>
+            <a:off x="3028950" y="6356351"/>
+            <a:ext cx="3086100" cy="365125"/>
           </a:xfrm>
           <a:prstGeom prst="rect">
             <a:avLst/>
@@ -2976,13 +2611,7 @@
       </p:sp>
       <p:sp>
         <p:nvSpPr>
-          <p:cNvPr id="6" name="Slide Number Placeholder 5">
-            <a:extLst>
-              <a:ext uri="{FF2B5EF4-FFF2-40B4-BE49-F238E27FC236}">
-                <a16:creationId xmlns:a16="http://schemas.microsoft.com/office/drawing/2014/main" id="{FF6C0CEF-68D7-45CD-8532-BA7C8D8FC7E4}"/>
-              </a:ext>
-            </a:extLst>
-          </p:cNvPr>
+          <p:cNvPr id="6" name="Slide Number Placeholder 5"/>
           <p:cNvSpPr>
             <a:spLocks noGrp="1"/>
           </p:cNvSpPr>
@@ -2992,8 +2621,8 @@
         </p:nvSpPr>
         <p:spPr>
           <a:xfrm>
-            <a:off x="8610600" y="6356350"/>
-            <a:ext cx="2743200" cy="365125"/>
+            <a:off x="6457950" y="6356351"/>
+            <a:ext cx="2057400" cy="365125"/>
           </a:xfrm>
           <a:prstGeom prst="rect">
             <a:avLst/>
@@ -3024,23 +2653,23 @@
     </p:spTree>
     <p:extLst>
       <p:ext uri="{BB962C8B-B14F-4D97-AF65-F5344CB8AC3E}">
-        <p14:creationId xmlns:p14="http://schemas.microsoft.com/office/powerpoint/2010/main" val="2043485961"/>
+        <p14:creationId xmlns:p14="http://schemas.microsoft.com/office/powerpoint/2010/main" val="3732926959"/>
       </p:ext>
     </p:extLst>
   </p:cSld>
   <p:clrMap bg1="lt1" tx1="dk1" bg2="lt2" tx2="dk2" accent1="accent1" accent2="accent2" accent3="accent3" accent4="accent4" accent5="accent5" accent6="accent6" hlink="hlink" folHlink="folHlink"/>
   <p:sldLayoutIdLst>
-    <p:sldLayoutId id="2147483649" r:id="rId1"/>
-    <p:sldLayoutId id="2147483650" r:id="rId2"/>
-    <p:sldLayoutId id="2147483651" r:id="rId3"/>
-    <p:sldLayoutId id="2147483652" r:id="rId4"/>
-    <p:sldLayoutId id="2147483653" r:id="rId5"/>
-    <p:sldLayoutId id="2147483654" r:id="rId6"/>
-    <p:sldLayoutId id="2147483655" r:id="rId7"/>
-    <p:sldLayoutId id="2147483656" r:id="rId8"/>
-    <p:sldLayoutId id="2147483657" r:id="rId9"/>
-    <p:sldLayoutId id="2147483658" r:id="rId10"/>
-    <p:sldLayoutId id="2147483659" r:id="rId11"/>
+    <p:sldLayoutId id="2147483661" r:id="rId1"/>
+    <p:sldLayoutId id="2147483662" r:id="rId2"/>
+    <p:sldLayoutId id="2147483663" r:id="rId3"/>
+    <p:sldLayoutId id="2147483664" r:id="rId4"/>
+    <p:sldLayoutId id="2147483665" r:id="rId5"/>
+    <p:sldLayoutId id="2147483666" r:id="rId6"/>
+    <p:sldLayoutId id="2147483667" r:id="rId7"/>
+    <p:sldLayoutId id="2147483668" r:id="rId8"/>
+    <p:sldLayoutId id="2147483669" r:id="rId9"/>
+    <p:sldLayoutId id="2147483670" r:id="rId10"/>
+    <p:sldLayoutId id="2147483671" r:id="rId11"/>
   </p:sldLayoutIdLst>
   <p:txStyles>
     <p:titleStyle>
@@ -3356,7 +2985,7 @@
         </p:nvSpPr>
         <p:spPr>
           <a:xfrm>
-            <a:off x="5113088" y="179663"/>
+            <a:off x="3589089" y="179663"/>
             <a:ext cx="1965821" cy="947956"/>
           </a:xfrm>
           <a:prstGeom prst="roundRect">
@@ -3405,7 +3034,7 @@
         </p:nvSpPr>
         <p:spPr>
           <a:xfrm>
-            <a:off x="5408102" y="1775671"/>
+            <a:off x="3884103" y="1775671"/>
             <a:ext cx="1375795" cy="679508"/>
           </a:xfrm>
           <a:prstGeom prst="roundRect">
@@ -3458,13 +3087,16 @@
         </p:nvCxnSpPr>
         <p:spPr>
           <a:xfrm>
-            <a:off x="6095999" y="1127619"/>
+            <a:off x="4572000" y="1127619"/>
             <a:ext cx="1" cy="648052"/>
           </a:xfrm>
           <a:prstGeom prst="straightConnector1">
             <a:avLst/>
           </a:prstGeom>
-          <a:ln>
+          <a:ln w="28575">
+            <a:solidFill>
+              <a:srgbClr val="00B050"/>
+            </a:solidFill>
             <a:tailEnd type="triangle"/>
           </a:ln>
         </p:spPr>
@@ -3497,7 +3129,7 @@
         </p:nvSpPr>
         <p:spPr>
           <a:xfrm>
-            <a:off x="9556456" y="3090645"/>
+            <a:off x="7107050" y="2433158"/>
             <a:ext cx="1375795" cy="679508"/>
           </a:xfrm>
           <a:prstGeom prst="roundRect">
@@ -3546,7 +3178,7 @@
         </p:nvSpPr>
         <p:spPr>
           <a:xfrm>
-            <a:off x="7824480" y="5691934"/>
+            <a:off x="5341165" y="5606367"/>
             <a:ext cx="1375795" cy="679508"/>
           </a:xfrm>
           <a:prstGeom prst="roundRect">
@@ -3595,7 +3227,7 @@
         </p:nvSpPr>
         <p:spPr>
           <a:xfrm>
-            <a:off x="1259748" y="3090645"/>
+            <a:off x="661155" y="2411137"/>
             <a:ext cx="1375795" cy="679508"/>
           </a:xfrm>
           <a:prstGeom prst="roundRect">
@@ -3644,7 +3276,7 @@
         </p:nvSpPr>
         <p:spPr>
           <a:xfrm>
-            <a:off x="5408102" y="3090645"/>
+            <a:off x="3884103" y="3090645"/>
             <a:ext cx="1375795" cy="679508"/>
           </a:xfrm>
           <a:prstGeom prst="roundRect">
@@ -3679,48 +3311,6 @@
           </a:p>
         </p:txBody>
       </p:sp>
-      <p:cxnSp>
-        <p:nvCxnSpPr>
-          <p:cNvPr id="30" name="Straight Arrow Connector 29">
-            <a:extLst>
-              <a:ext uri="{FF2B5EF4-FFF2-40B4-BE49-F238E27FC236}">
-                <a16:creationId xmlns:a16="http://schemas.microsoft.com/office/drawing/2014/main" id="{EADD5B3B-7E56-496F-B783-C597386B44A5}"/>
-              </a:ext>
-            </a:extLst>
-          </p:cNvPr>
-          <p:cNvCxnSpPr>
-            <a:stCxn id="5" idx="2"/>
-            <a:endCxn id="28" idx="0"/>
-          </p:cNvCxnSpPr>
-          <p:nvPr/>
-        </p:nvCxnSpPr>
-        <p:spPr>
-          <a:xfrm>
-            <a:off x="6096000" y="2455179"/>
-            <a:ext cx="0" cy="635466"/>
-          </a:xfrm>
-          <a:prstGeom prst="straightConnector1">
-            <a:avLst/>
-          </a:prstGeom>
-          <a:ln>
-            <a:tailEnd type="triangle"/>
-          </a:ln>
-        </p:spPr>
-        <p:style>
-          <a:lnRef idx="1">
-            <a:schemeClr val="accent1"/>
-          </a:lnRef>
-          <a:fillRef idx="0">
-            <a:schemeClr val="accent1"/>
-          </a:fillRef>
-          <a:effectRef idx="0">
-            <a:schemeClr val="accent1"/>
-          </a:effectRef>
-          <a:fontRef idx="minor">
-            <a:schemeClr val="tx1"/>
-          </a:fontRef>
-        </p:style>
-      </p:cxnSp>
       <p:cxnSp>
         <p:nvCxnSpPr>
           <p:cNvPr id="32" name="Straight Arrow Connector 31">
@@ -3737,14 +3327,17 @@
           <p:nvPr/>
         </p:nvCxnSpPr>
         <p:spPr>
-          <a:xfrm>
-            <a:off x="6783897" y="3430399"/>
-            <a:ext cx="2772559" cy="0"/>
+          <a:xfrm flipV="1">
+            <a:off x="5259898" y="2772912"/>
+            <a:ext cx="1847152" cy="657487"/>
           </a:xfrm>
           <a:prstGeom prst="straightConnector1">
             <a:avLst/>
           </a:prstGeom>
-          <a:ln>
+          <a:ln w="28575">
+            <a:solidFill>
+              <a:srgbClr val="00B050"/>
+            </a:solidFill>
             <a:tailEnd type="triangle"/>
           </a:ln>
         </p:spPr>
@@ -3781,56 +3374,16 @@
         </p:nvCxnSpPr>
         <p:spPr>
           <a:xfrm>
-            <a:off x="6096000" y="3770153"/>
-            <a:ext cx="2416378" cy="1921781"/>
+            <a:off x="4572001" y="3770153"/>
+            <a:ext cx="1457062" cy="1836214"/>
           </a:xfrm>
           <a:prstGeom prst="straightConnector1">
             <a:avLst/>
           </a:prstGeom>
-          <a:ln>
-            <a:tailEnd type="triangle"/>
-          </a:ln>
-        </p:spPr>
-        <p:style>
-          <a:lnRef idx="1">
-            <a:schemeClr val="accent1"/>
-          </a:lnRef>
-          <a:fillRef idx="0">
-            <a:schemeClr val="accent1"/>
-          </a:fillRef>
-          <a:effectRef idx="0">
-            <a:schemeClr val="accent1"/>
-          </a:effectRef>
-          <a:fontRef idx="minor">
-            <a:schemeClr val="tx1"/>
-          </a:fontRef>
-        </p:style>
-      </p:cxnSp>
-      <p:cxnSp>
-        <p:nvCxnSpPr>
-          <p:cNvPr id="39" name="Straight Arrow Connector 38">
-            <a:extLst>
-              <a:ext uri="{FF2B5EF4-FFF2-40B4-BE49-F238E27FC236}">
-                <a16:creationId xmlns:a16="http://schemas.microsoft.com/office/drawing/2014/main" id="{5BDF168E-552D-4A2E-BE4E-C18125E51728}"/>
-              </a:ext>
-            </a:extLst>
-          </p:cNvPr>
-          <p:cNvCxnSpPr>
-            <a:cxnSpLocks/>
-            <a:stCxn id="28" idx="1"/>
-            <a:endCxn id="24" idx="3"/>
-          </p:cNvCxnSpPr>
-          <p:nvPr/>
-        </p:nvCxnSpPr>
-        <p:spPr>
-          <a:xfrm flipH="1">
-            <a:off x="2635543" y="3430399"/>
-            <a:ext cx="2772559" cy="0"/>
-          </a:xfrm>
-          <a:prstGeom prst="straightConnector1">
-            <a:avLst/>
-          </a:prstGeom>
-          <a:ln>
+          <a:ln w="28575">
+            <a:solidFill>
+              <a:srgbClr val="00B050"/>
+            </a:solidFill>
             <a:tailEnd type="triangle"/>
           </a:ln>
         </p:spPr>
@@ -3863,7 +3416,7 @@
         </p:nvSpPr>
         <p:spPr>
           <a:xfrm>
-            <a:off x="2991725" y="5691934"/>
+            <a:off x="1295197" y="4926859"/>
             <a:ext cx="1375795" cy="679508"/>
           </a:xfrm>
           <a:prstGeom prst="roundRect">
@@ -3892,10 +3445,9 @@
           <a:p>
             <a:pPr algn="ctr"/>
             <a:r>
-              <a:rPr lang="en-SG" dirty="0" err="1"/>
-              <a:t>ItemList</a:t>
-            </a:r>
-            <a:endParaRPr lang="en-SG" dirty="0"/>
+              <a:rPr lang="en-SG" dirty="0"/>
+              <a:t>Model</a:t>
+            </a:r>
           </a:p>
         </p:txBody>
       </p:sp>
@@ -3917,98 +3469,16 @@
         </p:nvCxnSpPr>
         <p:spPr>
           <a:xfrm flipH="1">
-            <a:off x="3679623" y="3770153"/>
-            <a:ext cx="2416377" cy="1921781"/>
+            <a:off x="1983095" y="3770153"/>
+            <a:ext cx="2588906" cy="1156706"/>
           </a:xfrm>
           <a:prstGeom prst="straightConnector1">
             <a:avLst/>
           </a:prstGeom>
-          <a:ln>
-            <a:tailEnd type="triangle"/>
-          </a:ln>
-        </p:spPr>
-        <p:style>
-          <a:lnRef idx="1">
-            <a:schemeClr val="accent1"/>
-          </a:lnRef>
-          <a:fillRef idx="0">
-            <a:schemeClr val="accent1"/>
-          </a:fillRef>
-          <a:effectRef idx="0">
-            <a:schemeClr val="accent1"/>
-          </a:effectRef>
-          <a:fontRef idx="minor">
-            <a:schemeClr val="tx1"/>
-          </a:fontRef>
-        </p:style>
-      </p:cxnSp>
-      <p:cxnSp>
-        <p:nvCxnSpPr>
-          <p:cNvPr id="68" name="Straight Arrow Connector 67">
-            <a:extLst>
-              <a:ext uri="{FF2B5EF4-FFF2-40B4-BE49-F238E27FC236}">
-                <a16:creationId xmlns:a16="http://schemas.microsoft.com/office/drawing/2014/main" id="{AF15C4F7-E684-44C4-9994-514E84B36B95}"/>
-              </a:ext>
-            </a:extLst>
-          </p:cNvPr>
-          <p:cNvCxnSpPr>
-            <a:cxnSpLocks/>
-            <a:stCxn id="42" idx="0"/>
-            <a:endCxn id="24" idx="3"/>
-          </p:cNvCxnSpPr>
-          <p:nvPr/>
-        </p:nvCxnSpPr>
-        <p:spPr>
-          <a:xfrm flipH="1" flipV="1">
-            <a:off x="2635543" y="3430399"/>
-            <a:ext cx="1044080" cy="2261535"/>
-          </a:xfrm>
-          <a:prstGeom prst="straightConnector1">
-            <a:avLst/>
-          </a:prstGeom>
-          <a:ln>
-            <a:tailEnd type="triangle"/>
-          </a:ln>
-        </p:spPr>
-        <p:style>
-          <a:lnRef idx="1">
-            <a:schemeClr val="accent1"/>
-          </a:lnRef>
-          <a:fillRef idx="0">
-            <a:schemeClr val="accent1"/>
-          </a:fillRef>
-          <a:effectRef idx="0">
-            <a:schemeClr val="accent1"/>
-          </a:effectRef>
-          <a:fontRef idx="minor">
-            <a:schemeClr val="tx1"/>
-          </a:fontRef>
-        </p:style>
-      </p:cxnSp>
-      <p:cxnSp>
-        <p:nvCxnSpPr>
-          <p:cNvPr id="74" name="Straight Arrow Connector 73">
-            <a:extLst>
-              <a:ext uri="{FF2B5EF4-FFF2-40B4-BE49-F238E27FC236}">
-                <a16:creationId xmlns:a16="http://schemas.microsoft.com/office/drawing/2014/main" id="{03D88780-88F0-4B16-8677-B80B064393F8}"/>
-              </a:ext>
-            </a:extLst>
-          </p:cNvPr>
-          <p:cNvCxnSpPr>
-            <a:stCxn id="42" idx="3"/>
-            <a:endCxn id="12" idx="1"/>
-          </p:cNvCxnSpPr>
-          <p:nvPr/>
-        </p:nvCxnSpPr>
-        <p:spPr>
-          <a:xfrm>
-            <a:off x="4367520" y="6031688"/>
-            <a:ext cx="3456960" cy="0"/>
-          </a:xfrm>
-          <a:prstGeom prst="straightConnector1">
-            <a:avLst/>
-          </a:prstGeom>
-          <a:ln>
+          <a:ln w="28575">
+            <a:solidFill>
+              <a:srgbClr val="00B050"/>
+            </a:solidFill>
             <a:tailEnd type="triangle"/>
           </a:ln>
         </p:spPr>
@@ -4041,7 +3511,7 @@
         </p:nvSpPr>
         <p:spPr>
           <a:xfrm>
-            <a:off x="9162871" y="4390249"/>
+            <a:off x="6716960" y="3975034"/>
             <a:ext cx="2155973" cy="679508"/>
           </a:xfrm>
           <a:prstGeom prst="roundRect">
@@ -4094,13 +3564,16 @@
         </p:nvCxnSpPr>
         <p:spPr>
           <a:xfrm flipH="1">
-            <a:off x="10240858" y="3770153"/>
-            <a:ext cx="3496" cy="620096"/>
+            <a:off x="7794947" y="3112666"/>
+            <a:ext cx="1" cy="862368"/>
           </a:xfrm>
           <a:prstGeom prst="straightConnector1">
             <a:avLst/>
           </a:prstGeom>
-          <a:ln>
+          <a:ln w="28575">
+            <a:solidFill>
+              <a:srgbClr val="00B050"/>
+            </a:solidFill>
             <a:tailEnd type="triangle"/>
           </a:ln>
         </p:spPr>
@@ -4136,13 +3609,198 @@
         </p:nvCxnSpPr>
         <p:spPr>
           <a:xfrm flipH="1">
-            <a:off x="9200275" y="5069757"/>
-            <a:ext cx="1040583" cy="961931"/>
+            <a:off x="6716960" y="4654542"/>
+            <a:ext cx="1077987" cy="1291579"/>
           </a:xfrm>
           <a:prstGeom prst="straightConnector1">
             <a:avLst/>
           </a:prstGeom>
-          <a:ln>
+          <a:ln w="28575">
+            <a:solidFill>
+              <a:srgbClr val="00B050"/>
+            </a:solidFill>
+            <a:tailEnd type="triangle"/>
+          </a:ln>
+        </p:spPr>
+        <p:style>
+          <a:lnRef idx="1">
+            <a:schemeClr val="accent1"/>
+          </a:lnRef>
+          <a:fillRef idx="0">
+            <a:schemeClr val="accent1"/>
+          </a:fillRef>
+          <a:effectRef idx="0">
+            <a:schemeClr val="accent1"/>
+          </a:effectRef>
+          <a:fontRef idx="minor">
+            <a:schemeClr val="tx1"/>
+          </a:fontRef>
+        </p:style>
+      </p:cxnSp>
+      <p:cxnSp>
+        <p:nvCxnSpPr>
+          <p:cNvPr id="6" name="Straight Arrow Connector 5">
+            <a:extLst>
+              <a:ext uri="{FF2B5EF4-FFF2-40B4-BE49-F238E27FC236}">
+                <a16:creationId xmlns:a16="http://schemas.microsoft.com/office/drawing/2014/main" id="{724E997A-6B40-414E-AC08-1A803A37C5A8}"/>
+              </a:ext>
+            </a:extLst>
+          </p:cNvPr>
+          <p:cNvCxnSpPr>
+            <a:stCxn id="12" idx="1"/>
+            <a:endCxn id="42" idx="3"/>
+          </p:cNvCxnSpPr>
+          <p:nvPr/>
+        </p:nvCxnSpPr>
+        <p:spPr>
+          <a:xfrm flipH="1" flipV="1">
+            <a:off x="2670992" y="5266613"/>
+            <a:ext cx="2670173" cy="679508"/>
+          </a:xfrm>
+          <a:prstGeom prst="straightConnector1">
+            <a:avLst/>
+          </a:prstGeom>
+          <a:ln w="28575">
+            <a:solidFill>
+              <a:srgbClr val="00B050"/>
+            </a:solidFill>
+            <a:tailEnd type="triangle"/>
+          </a:ln>
+        </p:spPr>
+        <p:style>
+          <a:lnRef idx="1">
+            <a:schemeClr val="accent1"/>
+          </a:lnRef>
+          <a:fillRef idx="0">
+            <a:schemeClr val="accent1"/>
+          </a:fillRef>
+          <a:effectRef idx="0">
+            <a:schemeClr val="accent1"/>
+          </a:effectRef>
+          <a:fontRef idx="minor">
+            <a:schemeClr val="tx1"/>
+          </a:fontRef>
+        </p:style>
+      </p:cxnSp>
+      <p:cxnSp>
+        <p:nvCxnSpPr>
+          <p:cNvPr id="29" name="Straight Arrow Connector 28">
+            <a:extLst>
+              <a:ext uri="{FF2B5EF4-FFF2-40B4-BE49-F238E27FC236}">
+                <a16:creationId xmlns:a16="http://schemas.microsoft.com/office/drawing/2014/main" id="{E8D6EA6C-BBEE-4246-AB7E-75E5D905CCE5}"/>
+              </a:ext>
+            </a:extLst>
+          </p:cNvPr>
+          <p:cNvCxnSpPr>
+            <a:stCxn id="42" idx="0"/>
+            <a:endCxn id="24" idx="2"/>
+          </p:cNvCxnSpPr>
+          <p:nvPr/>
+        </p:nvCxnSpPr>
+        <p:spPr>
+          <a:xfrm flipH="1" flipV="1">
+            <a:off x="1349053" y="3090645"/>
+            <a:ext cx="634042" cy="1836214"/>
+          </a:xfrm>
+          <a:prstGeom prst="straightConnector1">
+            <a:avLst/>
+          </a:prstGeom>
+          <a:ln w="28575">
+            <a:solidFill>
+              <a:srgbClr val="00B050"/>
+            </a:solidFill>
+            <a:tailEnd type="triangle"/>
+          </a:ln>
+        </p:spPr>
+        <p:style>
+          <a:lnRef idx="1">
+            <a:schemeClr val="accent1"/>
+          </a:lnRef>
+          <a:fillRef idx="0">
+            <a:schemeClr val="accent1"/>
+          </a:fillRef>
+          <a:effectRef idx="0">
+            <a:schemeClr val="accent1"/>
+          </a:effectRef>
+          <a:fontRef idx="minor">
+            <a:schemeClr val="tx1"/>
+          </a:fontRef>
+        </p:style>
+      </p:cxnSp>
+      <p:cxnSp>
+        <p:nvCxnSpPr>
+          <p:cNvPr id="9" name="Straight Arrow Connector 8">
+            <a:extLst>
+              <a:ext uri="{FF2B5EF4-FFF2-40B4-BE49-F238E27FC236}">
+                <a16:creationId xmlns:a16="http://schemas.microsoft.com/office/drawing/2014/main" id="{53300AEE-48D4-47F5-BC56-F6FA92FEEDEE}"/>
+              </a:ext>
+            </a:extLst>
+          </p:cNvPr>
+          <p:cNvCxnSpPr>
+            <a:stCxn id="28" idx="0"/>
+            <a:endCxn id="5" idx="2"/>
+          </p:cNvCxnSpPr>
+          <p:nvPr/>
+        </p:nvCxnSpPr>
+        <p:spPr>
+          <a:xfrm flipV="1">
+            <a:off x="4572001" y="2455179"/>
+            <a:ext cx="0" cy="635466"/>
+          </a:xfrm>
+          <a:prstGeom prst="straightConnector1">
+            <a:avLst/>
+          </a:prstGeom>
+          <a:ln w="28575">
+            <a:solidFill>
+              <a:srgbClr val="00B050"/>
+            </a:solidFill>
+            <a:headEnd type="triangle"/>
+            <a:tailEnd type="triangle"/>
+          </a:ln>
+        </p:spPr>
+        <p:style>
+          <a:lnRef idx="1">
+            <a:schemeClr val="accent1"/>
+          </a:lnRef>
+          <a:fillRef idx="0">
+            <a:schemeClr val="accent1"/>
+          </a:fillRef>
+          <a:effectRef idx="0">
+            <a:schemeClr val="accent1"/>
+          </a:effectRef>
+          <a:fontRef idx="minor">
+            <a:schemeClr val="tx1"/>
+          </a:fontRef>
+        </p:style>
+      </p:cxnSp>
+      <p:cxnSp>
+        <p:nvCxnSpPr>
+          <p:cNvPr id="3" name="Connector: Curved 2">
+            <a:extLst>
+              <a:ext uri="{FF2B5EF4-FFF2-40B4-BE49-F238E27FC236}">
+                <a16:creationId xmlns:a16="http://schemas.microsoft.com/office/drawing/2014/main" id="{6F1C418E-0BFE-496F-B0D6-30992995DF7C}"/>
+              </a:ext>
+            </a:extLst>
+          </p:cNvPr>
+          <p:cNvCxnSpPr>
+            <a:cxnSpLocks/>
+            <a:stCxn id="12" idx="0"/>
+            <a:endCxn id="5" idx="3"/>
+          </p:cNvCxnSpPr>
+          <p:nvPr/>
+        </p:nvCxnSpPr>
+        <p:spPr>
+          <a:xfrm rot="16200000" flipV="1">
+            <a:off x="3899010" y="3476313"/>
+            <a:ext cx="3490942" cy="769165"/>
+          </a:xfrm>
+          <a:prstGeom prst="curvedConnector2">
+            <a:avLst/>
+          </a:prstGeom>
+          <a:ln w="28575">
+            <a:solidFill>
+              <a:srgbClr val="00B050"/>
+            </a:solidFill>
             <a:tailEnd type="triangle"/>
           </a:ln>
         </p:spPr>
@@ -4177,7 +3835,7 @@
 <file path=ppt/theme/theme1.xml><?xml version="1.0" encoding="utf-8"?>
 <a:theme xmlns:a="http://schemas.openxmlformats.org/drawingml/2006/main" name="Office Theme">
   <a:themeElements>
-    <a:clrScheme name="Office">
+    <a:clrScheme name="Office Theme">
       <a:dk1>
         <a:sysClr val="windowText" lastClr="000000"/>
       </a:dk1>
@@ -4215,7 +3873,7 @@
         <a:srgbClr val="954F72"/>
       </a:folHlink>
     </a:clrScheme>
-    <a:fontScheme name="Office">
+    <a:fontScheme name="Office Theme">
       <a:majorFont>
         <a:latin typeface="Calibri Light" panose="020F0302020204030204"/>
         <a:ea typeface=""/>
@@ -4250,23 +3908,6 @@
         <a:font script="Viet" typeface="Times New Roman"/>
         <a:font script="Uigh" typeface="Microsoft Uighur"/>
         <a:font script="Geor" typeface="Sylfaen"/>
-        <a:font script="Armn" typeface="Arial"/>
-        <a:font script="Bugi" typeface="Leelawadee UI"/>
-        <a:font script="Bopo" typeface="Microsoft JhengHei"/>
-        <a:font script="Java" typeface="Javanese Text"/>
-        <a:font script="Lisu" typeface="Segoe UI"/>
-        <a:font script="Mymr" typeface="Myanmar Text"/>
-        <a:font script="Nkoo" typeface="Ebrima"/>
-        <a:font script="Olck" typeface="Nirmala UI"/>
-        <a:font script="Osma" typeface="Ebrima"/>
-        <a:font script="Phag" typeface="Phagspa"/>
-        <a:font script="Syrn" typeface="Estrangelo Edessa"/>
-        <a:font script="Syrj" typeface="Estrangelo Edessa"/>
-        <a:font script="Syre" typeface="Estrangelo Edessa"/>
-        <a:font script="Sora" typeface="Nirmala UI"/>
-        <a:font script="Tale" typeface="Microsoft Tai Le"/>
-        <a:font script="Talu" typeface="Microsoft New Tai Lue"/>
-        <a:font script="Tfng" typeface="Ebrima"/>
       </a:majorFont>
       <a:minorFont>
         <a:latin typeface="Calibri" panose="020F0502020204030204"/>
@@ -4302,26 +3943,9 @@
         <a:font script="Viet" typeface="Arial"/>
         <a:font script="Uigh" typeface="Microsoft Uighur"/>
         <a:font script="Geor" typeface="Sylfaen"/>
-        <a:font script="Armn" typeface="Arial"/>
-        <a:font script="Bugi" typeface="Leelawadee UI"/>
-        <a:font script="Bopo" typeface="Microsoft JhengHei"/>
-        <a:font script="Java" typeface="Javanese Text"/>
-        <a:font script="Lisu" typeface="Segoe UI"/>
-        <a:font script="Mymr" typeface="Myanmar Text"/>
-        <a:font script="Nkoo" typeface="Ebrima"/>
-        <a:font script="Olck" typeface="Nirmala UI"/>
-        <a:font script="Osma" typeface="Ebrima"/>
-        <a:font script="Phag" typeface="Phagspa"/>
-        <a:font script="Syrn" typeface="Estrangelo Edessa"/>
-        <a:font script="Syrj" typeface="Estrangelo Edessa"/>
-        <a:font script="Syre" typeface="Estrangelo Edessa"/>
-        <a:font script="Sora" typeface="Nirmala UI"/>
-        <a:font script="Tale" typeface="Microsoft Tai Le"/>
-        <a:font script="Talu" typeface="Microsoft New Tai Lue"/>
-        <a:font script="Tfng" typeface="Ebrima"/>
       </a:minorFont>
     </a:fontScheme>
-    <a:fmtScheme name="Office">
+    <a:fmtScheme name="Office Theme">
       <a:fillStyleLst>
         <a:solidFill>
           <a:schemeClr val="phClr"/>
